--- a/Day_1/Lectures/Day_1_Lecture_1_Introduction_to_Artificial_Intelligence_and_Machine_Learning.pptx
+++ b/Day_1/Lectures/Day_1_Lecture_1_Introduction_to_Artificial_Intelligence_and_Machine_Learning.pptx
@@ -27762,9 +27762,9 @@
 </file>
 
 <file path=ppt/theme/theme1.xml><?xml version="1.0" encoding="utf-8"?>
-<a:theme xmlns:a="http://schemas.openxmlformats.org/drawingml/2006/main" xmlns:r="http://schemas.openxmlformats.org/officeDocument/2006/relationships">
+<a:theme xmlns:a="http://schemas.openxmlformats.org/drawingml/2006/main" xmlns:r="http://schemas.openxmlformats.org/officeDocument/2006/relationships" name="Simple Light">
   <a:themeElements>
-    <a:clrScheme name="Default">
+    <a:clrScheme name="Simple Light">
       <a:dk1>
         <a:srgbClr val="000000"/>
       </a:dk1>
@@ -27772,34 +27772,34 @@
         <a:srgbClr val="FFFFFF"/>
       </a:lt1>
       <a:dk2>
-        <a:srgbClr val="158158"/>
+        <a:srgbClr val="595959"/>
       </a:dk2>
       <a:lt2>
-        <a:srgbClr val="F3F3F3"/>
+        <a:srgbClr val="EEEEEE"/>
       </a:lt2>
       <a:accent1>
-        <a:srgbClr val="058DC7"/>
+        <a:srgbClr val="4285F4"/>
       </a:accent1>
       <a:accent2>
-        <a:srgbClr val="50B432"/>
+        <a:srgbClr val="212121"/>
       </a:accent2>
       <a:accent3>
-        <a:srgbClr val="ED561B"/>
+        <a:srgbClr val="78909C"/>
       </a:accent3>
       <a:accent4>
-        <a:srgbClr val="EDEF00"/>
+        <a:srgbClr val="FFAB40"/>
       </a:accent4>
       <a:accent5>
-        <a:srgbClr val="24CBE5"/>
+        <a:srgbClr val="0097A7"/>
       </a:accent5>
       <a:accent6>
-        <a:srgbClr val="64E572"/>
+        <a:srgbClr val="EEFF41"/>
       </a:accent6>
       <a:hlink>
-        <a:srgbClr val="2200CC"/>
+        <a:srgbClr val="0097A7"/>
       </a:hlink>
       <a:folHlink>
-        <a:srgbClr val="551A8B"/>
+        <a:srgbClr val="0097A7"/>
       </a:folHlink>
     </a:clrScheme>
     <a:fontScheme name="Office">
@@ -28320,9 +28320,9 @@
 </file>
 
 <file path=ppt/theme/theme3.xml><?xml version="1.0" encoding="utf-8"?>
-<a:theme xmlns:a="http://schemas.openxmlformats.org/drawingml/2006/main" xmlns:r="http://schemas.openxmlformats.org/officeDocument/2006/relationships" name="Simple Light">
+<a:theme xmlns:a="http://schemas.openxmlformats.org/drawingml/2006/main" xmlns:r="http://schemas.openxmlformats.org/officeDocument/2006/relationships">
   <a:themeElements>
-    <a:clrScheme name="Simple Light">
+    <a:clrScheme name="Default">
       <a:dk1>
         <a:srgbClr val="000000"/>
       </a:dk1>
@@ -28330,34 +28330,34 @@
         <a:srgbClr val="FFFFFF"/>
       </a:lt1>
       <a:dk2>
-        <a:srgbClr val="595959"/>
+        <a:srgbClr val="158158"/>
       </a:dk2>
       <a:lt2>
-        <a:srgbClr val="EEEEEE"/>
+        <a:srgbClr val="F3F3F3"/>
       </a:lt2>
       <a:accent1>
-        <a:srgbClr val="4285F4"/>
+        <a:srgbClr val="058DC7"/>
       </a:accent1>
       <a:accent2>
-        <a:srgbClr val="212121"/>
+        <a:srgbClr val="50B432"/>
       </a:accent2>
       <a:accent3>
-        <a:srgbClr val="78909C"/>
+        <a:srgbClr val="ED561B"/>
       </a:accent3>
       <a:accent4>
-        <a:srgbClr val="FFAB40"/>
+        <a:srgbClr val="EDEF00"/>
       </a:accent4>
       <a:accent5>
-        <a:srgbClr val="0097A7"/>
+        <a:srgbClr val="24CBE5"/>
       </a:accent5>
       <a:accent6>
-        <a:srgbClr val="EEFF41"/>
+        <a:srgbClr val="64E572"/>
       </a:accent6>
       <a:hlink>
-        <a:srgbClr val="0097A7"/>
+        <a:srgbClr val="2200CC"/>
       </a:hlink>
       <a:folHlink>
-        <a:srgbClr val="0097A7"/>
+        <a:srgbClr val="551A8B"/>
       </a:folHlink>
     </a:clrScheme>
     <a:fontScheme name="Office">

--- a/Day_1/Lectures/Day_1_Lecture_1_Introduction_to_Artificial_Intelligence_and_Machine_Learning.pptx
+++ b/Day_1/Lectures/Day_1_Lecture_1_Introduction_to_Artificial_Intelligence_and_Machine_Learning.pptx
@@ -4712,7 +4712,7 @@
   <p:cSld>
     <p:spTree>
       <p:nvGrpSpPr>
-        <p:cNvPr id="440" name="Shape 440"/>
+        <p:cNvPr id="442" name="Shape 442"/>
         <p:cNvGrpSpPr/>
         <p:nvPr/>
       </p:nvGrpSpPr>
@@ -4726,7 +4726,7 @@
       </p:grpSpPr>
       <p:sp>
         <p:nvSpPr>
-          <p:cNvPr id="441" name="Google Shape;441;g110cd4518f6_0_0:notes"/>
+          <p:cNvPr id="443" name="Google Shape;443;g110cd4518f6_0_0:notes"/>
           <p:cNvSpPr/>
           <p:nvPr>
             <p:ph idx="2" type="sldImg"/>
@@ -4761,7 +4761,7 @@
       </p:sp>
       <p:sp>
         <p:nvSpPr>
-          <p:cNvPr id="442" name="Google Shape;442;g110cd4518f6_0_0:notes"/>
+          <p:cNvPr id="444" name="Google Shape;444;g110cd4518f6_0_0:notes"/>
           <p:cNvSpPr txBox="1"/>
           <p:nvPr>
             <p:ph idx="1" type="body"/>
@@ -15820,7 +15820,15 @@
                   <a:schemeClr val="lt1"/>
                 </a:solidFill>
               </a:rPr>
-              <a:t>Human supervision involvement</a:t>
+              <a:t>The amount of h</a:t>
+            </a:r>
+            <a:r>
+              <a:rPr b="1" lang="en" sz="1290">
+                <a:solidFill>
+                  <a:schemeClr val="lt1"/>
+                </a:solidFill>
+              </a:rPr>
+              <a:t>uman supervision involvement</a:t>
             </a:r>
             <a:endParaRPr b="1" sz="1290">
               <a:solidFill>
@@ -16009,7 +16017,15 @@
                   <a:schemeClr val="lt1"/>
                 </a:solidFill>
               </a:rPr>
-              <a:t>Learn from incremental data</a:t>
+              <a:t>The ability to l</a:t>
+            </a:r>
+            <a:r>
+              <a:rPr b="1" lang="en" sz="1290">
+                <a:solidFill>
+                  <a:schemeClr val="lt1"/>
+                </a:solidFill>
+              </a:rPr>
+              <a:t>earn from incremental data</a:t>
             </a:r>
             <a:endParaRPr b="1" sz="1290">
               <a:solidFill>
@@ -16164,7 +16180,15 @@
                   <a:schemeClr val="lt1"/>
                 </a:solidFill>
               </a:rPr>
-              <a:t>Generalization from data</a:t>
+              <a:t>The approach to g</a:t>
+            </a:r>
+            <a:r>
+              <a:rPr b="1" lang="en" sz="1290">
+                <a:solidFill>
+                  <a:schemeClr val="lt1"/>
+                </a:solidFill>
+              </a:rPr>
+              <a:t>eneralization from data</a:t>
             </a:r>
             <a:endParaRPr b="1" sz="1290">
               <a:solidFill>
@@ -16357,7 +16381,7 @@
                 <a:cs typeface="Roboto"/>
                 <a:sym typeface="Roboto"/>
               </a:rPr>
-              <a:t>(javatpoint.com)</a:t>
+              <a:t>(source: javatpoint.com)</a:t>
             </a:r>
             <a:endParaRPr>
               <a:latin typeface="Roboto"/>
@@ -16508,7 +16532,7 @@
             </a:pPr>
             <a:r>
               <a:rPr lang="en" sz="1600"/>
-              <a:t>To model the relationship between the inputs and their corresponding outputs from the training data, labeled by humans, to predict output responses for new data inputs </a:t>
+              <a:t>To model the relationship between the inputs and their corresponding outputs from the training data, as labeled by humans, to predict output responses for new data inputs </a:t>
             </a:r>
             <a:endParaRPr sz="1600"/>
           </a:p>
@@ -17491,7 +17515,7 @@
                   <a:schemeClr val="dk1"/>
                 </a:solidFill>
               </a:rPr>
-              <a:t>Predicting mutation effects from gene sequence co- variation.</a:t>
+              <a:t>Predicting mutation effects from gene sequence co-variation.</a:t>
             </a:r>
             <a:endParaRPr>
               <a:solidFill>
@@ -17856,7 +17880,7 @@
                 <a:cs typeface="Roboto"/>
                 <a:sym typeface="Roboto"/>
               </a:rPr>
-              <a:t>(Sarkar et al. 2018)</a:t>
+              <a:t>(source:Sarkar et al. 2018)</a:t>
             </a:r>
             <a:endParaRPr sz="1100">
               <a:latin typeface="Roboto"/>
@@ -20467,12 +20491,24 @@
             </a:pPr>
             <a:r>
               <a:rPr lang="en" sz="1800">
+                <a:solidFill>
+                  <a:srgbClr val="4A86E8"/>
+                </a:solidFill>
                 <a:latin typeface="Roboto"/>
                 <a:ea typeface="Roboto"/>
                 <a:cs typeface="Roboto"/>
                 <a:sym typeface="Roboto"/>
               </a:rPr>
-              <a:t>Classes: </a:t>
+              <a:t>Classes</a:t>
+            </a:r>
+            <a:r>
+              <a:rPr lang="en" sz="1800">
+                <a:latin typeface="Roboto"/>
+                <a:ea typeface="Roboto"/>
+                <a:cs typeface="Roboto"/>
+                <a:sym typeface="Roboto"/>
+              </a:rPr>
+              <a:t>: </a:t>
             </a:r>
             <a:r>
               <a:rPr lang="en" sz="1800">
@@ -20504,12 +20540,24 @@
             </a:pPr>
             <a:r>
               <a:rPr lang="en" sz="1800">
+                <a:solidFill>
+                  <a:schemeClr val="accent1"/>
+                </a:solidFill>
                 <a:latin typeface="Roboto"/>
                 <a:ea typeface="Roboto"/>
                 <a:cs typeface="Roboto"/>
                 <a:sym typeface="Roboto"/>
               </a:rPr>
-              <a:t>Labels: When the set of values are not mutually exclusive</a:t>
+              <a:t>Labels</a:t>
+            </a:r>
+            <a:r>
+              <a:rPr lang="en" sz="1800">
+                <a:latin typeface="Roboto"/>
+                <a:ea typeface="Roboto"/>
+                <a:cs typeface="Roboto"/>
+                <a:sym typeface="Roboto"/>
+              </a:rPr>
+              <a:t>: When the set of values are not mutually exclusive</a:t>
             </a:r>
             <a:endParaRPr sz="1800">
               <a:latin typeface="Roboto"/>
@@ -20520,61 +20568,9 @@
           </a:p>
         </p:txBody>
       </p:sp>
-      <p:sp>
-        <p:nvSpPr>
-          <p:cNvPr id="309" name="Google Shape;309;p41"/>
-          <p:cNvSpPr txBox="1"/>
-          <p:nvPr/>
-        </p:nvSpPr>
-        <p:spPr>
-          <a:xfrm>
-            <a:off x="7038788" y="4266900"/>
-            <a:ext cx="1989300" cy="400200"/>
-          </a:xfrm>
-          <a:prstGeom prst="rect">
-            <a:avLst/>
-          </a:prstGeom>
-          <a:noFill/>
-          <a:ln>
-            <a:noFill/>
-          </a:ln>
-        </p:spPr>
-        <p:txBody>
-          <a:bodyPr anchorCtr="0" anchor="t" bIns="91425" lIns="91425" spcFirstLastPara="1" rIns="91425" wrap="square" tIns="91425">
-            <a:spAutoFit/>
-          </a:bodyPr>
-          <a:lstStyle/>
-          <a:p>
-            <a:pPr indent="0" lvl="0" marL="0" rtl="0" algn="ctr">
-              <a:spcBef>
-                <a:spcPts val="0"/>
-              </a:spcBef>
-              <a:spcAft>
-                <a:spcPts val="0"/>
-              </a:spcAft>
-              <a:buNone/>
-            </a:pPr>
-            <a:r>
-              <a:rPr lang="en">
-                <a:latin typeface="Roboto"/>
-                <a:ea typeface="Roboto"/>
-                <a:cs typeface="Roboto"/>
-                <a:sym typeface="Roboto"/>
-              </a:rPr>
-              <a:t>(Greener et al. 2022)</a:t>
-            </a:r>
-            <a:endParaRPr>
-              <a:latin typeface="Roboto"/>
-              <a:ea typeface="Roboto"/>
-              <a:cs typeface="Roboto"/>
-              <a:sym typeface="Roboto"/>
-            </a:endParaRPr>
-          </a:p>
-        </p:txBody>
-      </p:sp>
       <p:pic>
         <p:nvPicPr>
-          <p:cNvPr id="310" name="Google Shape;310;p41"/>
+          <p:cNvPr id="309" name="Google Shape;309;p41"/>
           <p:cNvPicPr preferRelativeResize="0"/>
           <p:nvPr/>
         </p:nvPicPr>
@@ -20588,7 +20584,7 @@
         </p:blipFill>
         <p:spPr>
           <a:xfrm>
-            <a:off x="3625921" y="2848896"/>
+            <a:off x="3370421" y="2807696"/>
             <a:ext cx="3581950" cy="1768942"/>
           </a:xfrm>
           <a:prstGeom prst="rect">
@@ -20602,13 +20598,13 @@
       </p:pic>
       <p:sp>
         <p:nvSpPr>
-          <p:cNvPr id="311" name="Google Shape;311;p41"/>
+          <p:cNvPr id="310" name="Google Shape;310;p41"/>
           <p:cNvSpPr txBox="1"/>
           <p:nvPr/>
         </p:nvSpPr>
         <p:spPr>
           <a:xfrm>
-            <a:off x="504450" y="2940500"/>
+            <a:off x="428250" y="2940500"/>
             <a:ext cx="3384900" cy="1293000"/>
           </a:xfrm>
           <a:prstGeom prst="rect">
@@ -20657,7 +20653,7 @@
       </p:sp>
       <p:pic>
         <p:nvPicPr>
-          <p:cNvPr id="312" name="Google Shape;312;p41"/>
+          <p:cNvPr id="311" name="Google Shape;311;p41"/>
           <p:cNvPicPr preferRelativeResize="0"/>
           <p:nvPr/>
         </p:nvPicPr>
@@ -20684,7 +20680,7 @@
       </p:pic>
       <p:sp>
         <p:nvSpPr>
-          <p:cNvPr id="313" name="Google Shape;313;p41"/>
+          <p:cNvPr id="312" name="Google Shape;312;p41"/>
           <p:cNvSpPr txBox="1"/>
           <p:nvPr/>
         </p:nvSpPr>
@@ -20721,6 +20717,58 @@
               <a:t>Created in Biorender</a:t>
             </a:r>
             <a:endParaRPr i="1" sz="1200"/>
+          </a:p>
+        </p:txBody>
+      </p:sp>
+      <p:sp>
+        <p:nvSpPr>
+          <p:cNvPr id="313" name="Google Shape;313;p41"/>
+          <p:cNvSpPr txBox="1"/>
+          <p:nvPr/>
+        </p:nvSpPr>
+        <p:spPr>
+          <a:xfrm>
+            <a:off x="6543250" y="4266900"/>
+            <a:ext cx="2600700" cy="400200"/>
+          </a:xfrm>
+          <a:prstGeom prst="rect">
+            <a:avLst/>
+          </a:prstGeom>
+          <a:noFill/>
+          <a:ln>
+            <a:noFill/>
+          </a:ln>
+        </p:spPr>
+        <p:txBody>
+          <a:bodyPr anchorCtr="0" anchor="t" bIns="91425" lIns="91425" spcFirstLastPara="1" rIns="91425" wrap="square" tIns="91425">
+            <a:spAutoFit/>
+          </a:bodyPr>
+          <a:lstStyle/>
+          <a:p>
+            <a:pPr indent="0" lvl="0" marL="0" rtl="0" algn="ctr">
+              <a:spcBef>
+                <a:spcPts val="0"/>
+              </a:spcBef>
+              <a:spcAft>
+                <a:spcPts val="0"/>
+              </a:spcAft>
+              <a:buNone/>
+            </a:pPr>
+            <a:r>
+              <a:rPr lang="en">
+                <a:latin typeface="Roboto"/>
+                <a:ea typeface="Roboto"/>
+                <a:cs typeface="Roboto"/>
+                <a:sym typeface="Roboto"/>
+              </a:rPr>
+              <a:t>(source: Greener et al. 2022)</a:t>
+            </a:r>
+            <a:endParaRPr>
+              <a:latin typeface="Roboto"/>
+              <a:ea typeface="Roboto"/>
+              <a:cs typeface="Roboto"/>
+              <a:sym typeface="Roboto"/>
+            </a:endParaRPr>
           </a:p>
         </p:txBody>
       </p:sp>
@@ -20924,7 +20972,7 @@
                 <a:cs typeface="Roboto"/>
                 <a:sym typeface="Roboto"/>
               </a:rPr>
-              <a:t>The mathematical function or in more general terms that measure the amount of ‘disagreement’ between the obtained and ideal outputs in ML </a:t>
+              <a:t>The mathematical function or in more general terms that measure the amount of ‘disagreement’ between the obtained and ideal outputs in ML. </a:t>
             </a:r>
             <a:endParaRPr sz="1800">
               <a:latin typeface="Roboto"/>
@@ -20952,7 +21000,7 @@
                 <a:cs typeface="Roboto"/>
                 <a:sym typeface="Roboto"/>
               </a:rPr>
-              <a:t>In supervised ML, the loss function would be a measure of deviation from the predicted output relative to the ground truth output</a:t>
+              <a:t>In supervised ML, the loss function would be a measure of deviation from the predicted output relative to the ground truth output.</a:t>
             </a:r>
             <a:endParaRPr sz="1800">
               <a:latin typeface="Roboto"/>
@@ -21016,7 +21064,7 @@
                 <a:cs typeface="Roboto"/>
                 <a:sym typeface="Roboto"/>
               </a:rPr>
-              <a:t>binary cross entropy</a:t>
+              <a:t>binary cross entropy loss</a:t>
             </a:r>
             <a:r>
               <a:rPr lang="en" sz="1800">
@@ -21202,7 +21250,7 @@
         <p:spPr>
           <a:xfrm>
             <a:off x="422825" y="767900"/>
-            <a:ext cx="8138100" cy="3586500"/>
+            <a:ext cx="8138100" cy="3848100"/>
           </a:xfrm>
           <a:prstGeom prst="rect">
             <a:avLst/>
@@ -21273,7 +21321,7 @@
                 <a:cs typeface="Roboto"/>
                 <a:sym typeface="Roboto"/>
               </a:rPr>
-              <a:t>Models contain adjustable parameters whose values can be changed over the training process to achieve the best performance of the model.</a:t>
+              <a:t>Models usually contain adjustable parameters whose values can be changed over the training process to achieve the best performance of the model.</a:t>
             </a:r>
             <a:endParaRPr sz="1700">
               <a:latin typeface="Roboto"/>
@@ -21839,7 +21887,7 @@
                 <a:cs typeface="Roboto"/>
                 <a:sym typeface="Roboto"/>
               </a:rPr>
-              <a:t>models require training dataset, which involves automatically adjusting the parameters of a model to improve its performance. </a:t>
+              <a:t>models often require training dataset, which involves automatically adjusting the parameters of a model to improve its performance. </a:t>
             </a:r>
             <a:endParaRPr>
               <a:latin typeface="Roboto"/>
@@ -22062,8 +22110,8 @@
         </p:nvSpPr>
         <p:spPr>
           <a:xfrm>
-            <a:off x="743888" y="3566775"/>
-            <a:ext cx="1989300" cy="400200"/>
+            <a:off x="743904" y="3566775"/>
+            <a:ext cx="2657100" cy="400200"/>
           </a:xfrm>
           <a:prstGeom prst="rect">
             <a:avLst/>
@@ -22095,7 +22143,7 @@
                 <a:cs typeface="Roboto"/>
                 <a:sym typeface="Roboto"/>
               </a:rPr>
-              <a:t>(</a:t>
+              <a:t>(source: </a:t>
             </a:r>
             <a:r>
               <a:rPr lang="en">
@@ -22257,8 +22305,8 @@
         </p:blipFill>
         <p:spPr>
           <a:xfrm>
-            <a:off x="5653395" y="2356150"/>
-            <a:ext cx="2986254" cy="2069675"/>
+            <a:off x="4742451" y="1934000"/>
+            <a:ext cx="3433825" cy="2379875"/>
           </a:xfrm>
           <a:prstGeom prst="rect">
             <a:avLst/>
@@ -22500,8 +22548,8 @@
         </p:nvSpPr>
         <p:spPr>
           <a:xfrm>
-            <a:off x="4233288" y="4195700"/>
-            <a:ext cx="1989300" cy="369300"/>
+            <a:off x="6299603" y="4360800"/>
+            <a:ext cx="2532600" cy="369300"/>
           </a:xfrm>
           <a:prstGeom prst="rect">
             <a:avLst/>
@@ -22533,7 +22581,7 @@
                 <a:cs typeface="Roboto"/>
                 <a:sym typeface="Roboto"/>
               </a:rPr>
-              <a:t>(Greener et al. 2022)</a:t>
+              <a:t>(source: Greener et al. 2022)</a:t>
             </a:r>
             <a:endParaRPr sz="1200">
               <a:latin typeface="Roboto"/>
@@ -22552,7 +22600,7 @@
         </p:nvSpPr>
         <p:spPr>
           <a:xfrm>
-            <a:off x="311700" y="2291250"/>
+            <a:off x="311700" y="2150100"/>
             <a:ext cx="4221600" cy="2277900"/>
           </a:xfrm>
           <a:prstGeom prst="rect">
@@ -23010,7 +23058,7 @@
                 <a:cs typeface="Roboto"/>
                 <a:sym typeface="Roboto"/>
               </a:rPr>
-              <a:t>Can be caused by using a model without sufficient complexity to describe the signal </a:t>
+              <a:t>Can be caused by using a model without sufficient complexity to learn the signal </a:t>
             </a:r>
             <a:endParaRPr sz="1500">
               <a:latin typeface="Roboto"/>
@@ -23029,8 +23077,8 @@
         </p:nvSpPr>
         <p:spPr>
           <a:xfrm>
-            <a:off x="6842988" y="4141925"/>
-            <a:ext cx="1989300" cy="400200"/>
+            <a:off x="3154978" y="4309550"/>
+            <a:ext cx="2433600" cy="400200"/>
           </a:xfrm>
           <a:prstGeom prst="rect">
             <a:avLst/>
@@ -23062,7 +23110,7 @@
                 <a:cs typeface="Roboto"/>
                 <a:sym typeface="Roboto"/>
               </a:rPr>
-              <a:t>(Greener et al. 2022)</a:t>
+              <a:t>(source: Greener et al. 2022)</a:t>
             </a:r>
             <a:endParaRPr>
               <a:latin typeface="Roboto"/>
@@ -23081,7 +23129,7 @@
         </p:nvGrpSpPr>
         <p:grpSpPr>
           <a:xfrm>
-            <a:off x="1964500" y="3125200"/>
+            <a:off x="1753425" y="2808925"/>
             <a:ext cx="5022548" cy="1500075"/>
             <a:chOff x="980975" y="3040163"/>
             <a:chExt cx="5022548" cy="1500075"/>
@@ -23331,7 +23379,7 @@
         <p:spPr>
           <a:xfrm>
             <a:off x="520500" y="959500"/>
-            <a:ext cx="7939800" cy="2806500"/>
+            <a:ext cx="7939800" cy="2529600"/>
           </a:xfrm>
           <a:prstGeom prst="rect">
             <a:avLst/>
@@ -23365,33 +23413,7 @@
                 <a:cs typeface="Roboto"/>
                 <a:sym typeface="Roboto"/>
               </a:rPr>
-              <a:t>The variance of a model describes how much the trained model changes in</a:t>
-            </a:r>
-            <a:endParaRPr sz="1800">
-              <a:latin typeface="Roboto"/>
-              <a:ea typeface="Roboto"/>
-              <a:cs typeface="Roboto"/>
-              <a:sym typeface="Roboto"/>
-            </a:endParaRPr>
-          </a:p>
-          <a:p>
-            <a:pPr indent="0" lvl="0" marL="457200" rtl="0" algn="l">
-              <a:spcBef>
-                <a:spcPts val="0"/>
-              </a:spcBef>
-              <a:spcAft>
-                <a:spcPts val="0"/>
-              </a:spcAft>
-              <a:buNone/>
-            </a:pPr>
-            <a:r>
-              <a:rPr lang="en" sz="1800">
-                <a:latin typeface="Roboto"/>
-                <a:ea typeface="Roboto"/>
-                <a:cs typeface="Roboto"/>
-                <a:sym typeface="Roboto"/>
-              </a:rPr>
-              <a:t>response to training on different training datasets.</a:t>
+              <a:t>The variance of a model describes how much the trained model changes in response to training on different training datasets.</a:t>
             </a:r>
             <a:endParaRPr sz="1800">
               <a:latin typeface="Roboto"/>
@@ -23680,7 +23702,7 @@
         <p:spPr>
           <a:xfrm>
             <a:off x="3689750" y="4052550"/>
-            <a:ext cx="2064000" cy="400200"/>
+            <a:ext cx="2531400" cy="400200"/>
           </a:xfrm>
           <a:prstGeom prst="rect">
             <a:avLst/>
@@ -23712,7 +23734,7 @@
                 <a:cs typeface="Roboto"/>
                 <a:sym typeface="Roboto"/>
               </a:rPr>
-              <a:t>(Sarkar et al. 2018)</a:t>
+              <a:t>(source: Sarkar et al. 2018)</a:t>
             </a:r>
             <a:endParaRPr>
               <a:latin typeface="Roboto"/>
@@ -25355,6 +25377,423 @@
   <p:clrMapOvr>
     <a:masterClrMapping/>
   </p:clrMapOvr>
+  <p:timing>
+    <p:tnLst>
+      <p:par>
+        <p:cTn dur="indefinite" nodeType="tmRoot" restart="never">
+          <p:childTnLst>
+            <p:seq concurrent="1" nextAc="seek">
+              <p:cTn dur="indefinite" id="2" nodeType="mainSeq">
+                <p:childTnLst>
+                  <p:par>
+                    <p:cTn fill="hold">
+                      <p:stCondLst>
+                        <p:cond delay="indefinite"/>
+                      </p:stCondLst>
+                      <p:childTnLst>
+                        <p:par>
+                          <p:cTn fill="hold">
+                            <p:stCondLst>
+                              <p:cond delay="0"/>
+                            </p:stCondLst>
+                            <p:childTnLst>
+                              <p:par>
+                                <p:cTn fill="hold" nodeType="clickEffect" presetClass="entr" presetID="10" presetSubtype="0">
+                                  <p:stCondLst>
+                                    <p:cond delay="0"/>
+                                  </p:stCondLst>
+                                  <p:childTnLst>
+                                    <p:set>
+                                      <p:cBhvr>
+                                        <p:cTn dur="1" fill="hold">
+                                          <p:stCondLst>
+                                            <p:cond delay="0"/>
+                                          </p:stCondLst>
+                                        </p:cTn>
+                                        <p:tgtEl>
+                                          <p:spTgt spid="414"/>
+                                        </p:tgtEl>
+                                        <p:attrNameLst>
+                                          <p:attrName>style.visibility</p:attrName>
+                                        </p:attrNameLst>
+                                      </p:cBhvr>
+                                      <p:to>
+                                        <p:strVal val="visible"/>
+                                      </p:to>
+                                    </p:set>
+                                    <p:animEffect filter="fade" transition="in">
+                                      <p:cBhvr>
+                                        <p:cTn dur="1000"/>
+                                        <p:tgtEl>
+                                          <p:spTgt spid="414"/>
+                                        </p:tgtEl>
+                                      </p:cBhvr>
+                                    </p:animEffect>
+                                  </p:childTnLst>
+                                </p:cTn>
+                              </p:par>
+                              <p:par>
+                                <p:cTn fill="hold" nodeType="withEffect" presetClass="entr" presetID="10" presetSubtype="0">
+                                  <p:stCondLst>
+                                    <p:cond delay="0"/>
+                                  </p:stCondLst>
+                                  <p:childTnLst>
+                                    <p:set>
+                                      <p:cBhvr>
+                                        <p:cTn dur="1" fill="hold">
+                                          <p:stCondLst>
+                                            <p:cond delay="0"/>
+                                          </p:stCondLst>
+                                        </p:cTn>
+                                        <p:tgtEl>
+                                          <p:spTgt spid="415"/>
+                                        </p:tgtEl>
+                                        <p:attrNameLst>
+                                          <p:attrName>style.visibility</p:attrName>
+                                        </p:attrNameLst>
+                                      </p:cBhvr>
+                                      <p:to>
+                                        <p:strVal val="visible"/>
+                                      </p:to>
+                                    </p:set>
+                                    <p:animEffect filter="fade" transition="in">
+                                      <p:cBhvr>
+                                        <p:cTn dur="1000"/>
+                                        <p:tgtEl>
+                                          <p:spTgt spid="415"/>
+                                        </p:tgtEl>
+                                      </p:cBhvr>
+                                    </p:animEffect>
+                                  </p:childTnLst>
+                                </p:cTn>
+                              </p:par>
+                            </p:childTnLst>
+                          </p:cTn>
+                        </p:par>
+                      </p:childTnLst>
+                    </p:cTn>
+                  </p:par>
+                  <p:par>
+                    <p:cTn fill="hold">
+                      <p:stCondLst>
+                        <p:cond delay="indefinite"/>
+                      </p:stCondLst>
+                      <p:childTnLst>
+                        <p:par>
+                          <p:cTn fill="hold">
+                            <p:stCondLst>
+                              <p:cond delay="0"/>
+                            </p:stCondLst>
+                            <p:childTnLst>
+                              <p:par>
+                                <p:cTn fill="hold" nodeType="clickEffect" presetClass="entr" presetID="10" presetSubtype="0">
+                                  <p:stCondLst>
+                                    <p:cond delay="0"/>
+                                  </p:stCondLst>
+                                  <p:childTnLst>
+                                    <p:set>
+                                      <p:cBhvr>
+                                        <p:cTn dur="1" fill="hold">
+                                          <p:stCondLst>
+                                            <p:cond delay="0"/>
+                                          </p:stCondLst>
+                                        </p:cTn>
+                                        <p:tgtEl>
+                                          <p:spTgt spid="416"/>
+                                        </p:tgtEl>
+                                        <p:attrNameLst>
+                                          <p:attrName>style.visibility</p:attrName>
+                                        </p:attrNameLst>
+                                      </p:cBhvr>
+                                      <p:to>
+                                        <p:strVal val="visible"/>
+                                      </p:to>
+                                    </p:set>
+                                    <p:animEffect filter="fade" transition="in">
+                                      <p:cBhvr>
+                                        <p:cTn dur="1000"/>
+                                        <p:tgtEl>
+                                          <p:spTgt spid="416"/>
+                                        </p:tgtEl>
+                                      </p:cBhvr>
+                                    </p:animEffect>
+                                  </p:childTnLst>
+                                </p:cTn>
+                              </p:par>
+                              <p:par>
+                                <p:cTn fill="hold" nodeType="withEffect" presetClass="entr" presetID="10" presetSubtype="0">
+                                  <p:stCondLst>
+                                    <p:cond delay="0"/>
+                                  </p:stCondLst>
+                                  <p:childTnLst>
+                                    <p:set>
+                                      <p:cBhvr>
+                                        <p:cTn dur="1" fill="hold">
+                                          <p:stCondLst>
+                                            <p:cond delay="0"/>
+                                          </p:stCondLst>
+                                        </p:cTn>
+                                        <p:tgtEl>
+                                          <p:spTgt spid="417"/>
+                                        </p:tgtEl>
+                                        <p:attrNameLst>
+                                          <p:attrName>style.visibility</p:attrName>
+                                        </p:attrNameLst>
+                                      </p:cBhvr>
+                                      <p:to>
+                                        <p:strVal val="visible"/>
+                                      </p:to>
+                                    </p:set>
+                                    <p:animEffect filter="fade" transition="in">
+                                      <p:cBhvr>
+                                        <p:cTn dur="1000"/>
+                                        <p:tgtEl>
+                                          <p:spTgt spid="417"/>
+                                        </p:tgtEl>
+                                      </p:cBhvr>
+                                    </p:animEffect>
+                                  </p:childTnLst>
+                                </p:cTn>
+                              </p:par>
+                              <p:par>
+                                <p:cTn fill="hold" nodeType="withEffect" presetClass="entr" presetID="10" presetSubtype="0">
+                                  <p:stCondLst>
+                                    <p:cond delay="0"/>
+                                  </p:stCondLst>
+                                  <p:childTnLst>
+                                    <p:set>
+                                      <p:cBhvr>
+                                        <p:cTn dur="1" fill="hold">
+                                          <p:stCondLst>
+                                            <p:cond delay="0"/>
+                                          </p:stCondLst>
+                                        </p:cTn>
+                                        <p:tgtEl>
+                                          <p:spTgt spid="418"/>
+                                        </p:tgtEl>
+                                        <p:attrNameLst>
+                                          <p:attrName>style.visibility</p:attrName>
+                                        </p:attrNameLst>
+                                      </p:cBhvr>
+                                      <p:to>
+                                        <p:strVal val="visible"/>
+                                      </p:to>
+                                    </p:set>
+                                    <p:animEffect filter="fade" transition="in">
+                                      <p:cBhvr>
+                                        <p:cTn dur="1000"/>
+                                        <p:tgtEl>
+                                          <p:spTgt spid="418"/>
+                                        </p:tgtEl>
+                                      </p:cBhvr>
+                                    </p:animEffect>
+                                  </p:childTnLst>
+                                </p:cTn>
+                              </p:par>
+                            </p:childTnLst>
+                          </p:cTn>
+                        </p:par>
+                      </p:childTnLst>
+                    </p:cTn>
+                  </p:par>
+                  <p:par>
+                    <p:cTn fill="hold">
+                      <p:stCondLst>
+                        <p:cond delay="indefinite"/>
+                      </p:stCondLst>
+                      <p:childTnLst>
+                        <p:par>
+                          <p:cTn fill="hold">
+                            <p:stCondLst>
+                              <p:cond delay="0"/>
+                            </p:stCondLst>
+                            <p:childTnLst>
+                              <p:par>
+                                <p:cTn fill="hold" nodeType="clickEffect" presetClass="entr" presetID="10" presetSubtype="0">
+                                  <p:stCondLst>
+                                    <p:cond delay="0"/>
+                                  </p:stCondLst>
+                                  <p:childTnLst>
+                                    <p:set>
+                                      <p:cBhvr>
+                                        <p:cTn dur="1" fill="hold">
+                                          <p:stCondLst>
+                                            <p:cond delay="0"/>
+                                          </p:stCondLst>
+                                        </p:cTn>
+                                        <p:tgtEl>
+                                          <p:spTgt spid="422"/>
+                                        </p:tgtEl>
+                                        <p:attrNameLst>
+                                          <p:attrName>style.visibility</p:attrName>
+                                        </p:attrNameLst>
+                                      </p:cBhvr>
+                                      <p:to>
+                                        <p:strVal val="visible"/>
+                                      </p:to>
+                                    </p:set>
+                                    <p:animEffect filter="fade" transition="in">
+                                      <p:cBhvr>
+                                        <p:cTn dur="1000"/>
+                                        <p:tgtEl>
+                                          <p:spTgt spid="422"/>
+                                        </p:tgtEl>
+                                      </p:cBhvr>
+                                    </p:animEffect>
+                                  </p:childTnLst>
+                                </p:cTn>
+                              </p:par>
+                              <p:par>
+                                <p:cTn fill="hold" nodeType="withEffect" presetClass="entr" presetID="10" presetSubtype="0">
+                                  <p:stCondLst>
+                                    <p:cond delay="0"/>
+                                  </p:stCondLst>
+                                  <p:childTnLst>
+                                    <p:set>
+                                      <p:cBhvr>
+                                        <p:cTn dur="1" fill="hold">
+                                          <p:stCondLst>
+                                            <p:cond delay="0"/>
+                                          </p:stCondLst>
+                                        </p:cTn>
+                                        <p:tgtEl>
+                                          <p:spTgt spid="421"/>
+                                        </p:tgtEl>
+                                        <p:attrNameLst>
+                                          <p:attrName>style.visibility</p:attrName>
+                                        </p:attrNameLst>
+                                      </p:cBhvr>
+                                      <p:to>
+                                        <p:strVal val="visible"/>
+                                      </p:to>
+                                    </p:set>
+                                    <p:animEffect filter="fade" transition="in">
+                                      <p:cBhvr>
+                                        <p:cTn dur="1000"/>
+                                        <p:tgtEl>
+                                          <p:spTgt spid="421"/>
+                                        </p:tgtEl>
+                                      </p:cBhvr>
+                                    </p:animEffect>
+                                  </p:childTnLst>
+                                </p:cTn>
+                              </p:par>
+                            </p:childTnLst>
+                          </p:cTn>
+                        </p:par>
+                      </p:childTnLst>
+                    </p:cTn>
+                  </p:par>
+                  <p:par>
+                    <p:cTn fill="hold">
+                      <p:stCondLst>
+                        <p:cond delay="indefinite"/>
+                      </p:stCondLst>
+                      <p:childTnLst>
+                        <p:par>
+                          <p:cTn fill="hold">
+                            <p:stCondLst>
+                              <p:cond delay="0"/>
+                            </p:stCondLst>
+                            <p:childTnLst>
+                              <p:par>
+                                <p:cTn fill="hold" nodeType="clickEffect" presetClass="entr" presetID="10" presetSubtype="0">
+                                  <p:stCondLst>
+                                    <p:cond delay="0"/>
+                                  </p:stCondLst>
+                                  <p:childTnLst>
+                                    <p:set>
+                                      <p:cBhvr>
+                                        <p:cTn dur="1" fill="hold">
+                                          <p:stCondLst>
+                                            <p:cond delay="0"/>
+                                          </p:stCondLst>
+                                        </p:cTn>
+                                        <p:tgtEl>
+                                          <p:spTgt spid="419"/>
+                                        </p:tgtEl>
+                                        <p:attrNameLst>
+                                          <p:attrName>style.visibility</p:attrName>
+                                        </p:attrNameLst>
+                                      </p:cBhvr>
+                                      <p:to>
+                                        <p:strVal val="visible"/>
+                                      </p:to>
+                                    </p:set>
+                                    <p:animEffect filter="fade" transition="in">
+                                      <p:cBhvr>
+                                        <p:cTn dur="1000"/>
+                                        <p:tgtEl>
+                                          <p:spTgt spid="419"/>
+                                        </p:tgtEl>
+                                      </p:cBhvr>
+                                    </p:animEffect>
+                                  </p:childTnLst>
+                                </p:cTn>
+                              </p:par>
+                              <p:par>
+                                <p:cTn fill="hold" nodeType="withEffect" presetClass="entr" presetID="10" presetSubtype="0">
+                                  <p:stCondLst>
+                                    <p:cond delay="0"/>
+                                  </p:stCondLst>
+                                  <p:childTnLst>
+                                    <p:set>
+                                      <p:cBhvr>
+                                        <p:cTn dur="1" fill="hold">
+                                          <p:stCondLst>
+                                            <p:cond delay="0"/>
+                                          </p:stCondLst>
+                                        </p:cTn>
+                                        <p:tgtEl>
+                                          <p:spTgt spid="420"/>
+                                        </p:tgtEl>
+                                        <p:attrNameLst>
+                                          <p:attrName>style.visibility</p:attrName>
+                                        </p:attrNameLst>
+                                      </p:cBhvr>
+                                      <p:to>
+                                        <p:strVal val="visible"/>
+                                      </p:to>
+                                    </p:set>
+                                    <p:animEffect filter="fade" transition="in">
+                                      <p:cBhvr>
+                                        <p:cTn dur="1000"/>
+                                        <p:tgtEl>
+                                          <p:spTgt spid="420"/>
+                                        </p:tgtEl>
+                                      </p:cBhvr>
+                                    </p:animEffect>
+                                  </p:childTnLst>
+                                </p:cTn>
+                              </p:par>
+                            </p:childTnLst>
+                          </p:cTn>
+                        </p:par>
+                      </p:childTnLst>
+                    </p:cTn>
+                  </p:par>
+                </p:childTnLst>
+              </p:cTn>
+              <p:prevCondLst>
+                <p:cond evt="onPrev">
+                  <p:tgtEl>
+                    <p:sldTgt/>
+                  </p:tgtEl>
+                </p:cond>
+              </p:prevCondLst>
+              <p:nextCondLst>
+                <p:cond evt="onNext">
+                  <p:tgtEl>
+                    <p:sldTgt/>
+                  </p:tgtEl>
+                </p:cond>
+              </p:nextCondLst>
+            </p:seq>
+          </p:childTnLst>
+        </p:cTn>
+      </p:par>
+    </p:tnLst>
+  </p:timing>
 </p:sld>
 </file>
 
@@ -26203,6 +26642,85 @@
           </a:p>
         </p:txBody>
       </p:sp>
+      <p:sp>
+        <p:nvSpPr>
+          <p:cNvPr id="440" name="Google Shape;440;p52"/>
+          <p:cNvSpPr txBox="1"/>
+          <p:nvPr/>
+        </p:nvSpPr>
+        <p:spPr>
+          <a:xfrm>
+            <a:off x="4572000" y="3961825"/>
+            <a:ext cx="3296400" cy="400200"/>
+          </a:xfrm>
+          <a:prstGeom prst="rect">
+            <a:avLst/>
+          </a:prstGeom>
+          <a:noFill/>
+          <a:ln>
+            <a:noFill/>
+          </a:ln>
+        </p:spPr>
+        <p:txBody>
+          <a:bodyPr anchorCtr="0" anchor="t" bIns="91425" lIns="91425" spcFirstLastPara="1" rIns="91425" wrap="square" tIns="91425">
+            <a:spAutoFit/>
+          </a:bodyPr>
+          <a:lstStyle/>
+          <a:p>
+            <a:pPr indent="0" lvl="0" marL="0" rtl="0" algn="l">
+              <a:spcBef>
+                <a:spcPts val="0"/>
+              </a:spcBef>
+              <a:spcAft>
+                <a:spcPts val="0"/>
+              </a:spcAft>
+              <a:buNone/>
+            </a:pPr>
+            <a:r>
+              <a:rPr lang="en" u="sng">
+                <a:solidFill>
+                  <a:schemeClr val="hlink"/>
+                </a:solidFill>
+                <a:hlinkClick r:id="rId4"/>
+              </a:rPr>
+              <a:t>https://forms.gle/YNtPTesxCdUB2Kce8</a:t>
+            </a:r>
+            <a:r>
+              <a:rPr lang="en"/>
+              <a:t> </a:t>
+            </a:r>
+            <a:endParaRPr/>
+          </a:p>
+        </p:txBody>
+      </p:sp>
+      <p:pic>
+        <p:nvPicPr>
+          <p:cNvPr id="441" name="Google Shape;441;p52"/>
+          <p:cNvPicPr preferRelativeResize="0"/>
+          <p:nvPr/>
+        </p:nvPicPr>
+        <p:blipFill>
+          <a:blip r:embed="rId5">
+            <a:alphaModFix/>
+          </a:blip>
+          <a:stretch>
+            <a:fillRect/>
+          </a:stretch>
+        </p:blipFill>
+        <p:spPr>
+          <a:xfrm>
+            <a:off x="7934375" y="3713700"/>
+            <a:ext cx="803726" cy="803726"/>
+          </a:xfrm>
+          <a:prstGeom prst="rect">
+            <a:avLst/>
+          </a:prstGeom>
+          <a:noFill/>
+          <a:ln>
+            <a:noFill/>
+          </a:ln>
+        </p:spPr>
+      </p:pic>
     </p:spTree>
   </p:cSld>
   <p:clrMapOvr>
@@ -26405,7 +26923,7 @@
   <p:cSld>
     <p:spTree>
       <p:nvGrpSpPr>
-        <p:cNvPr id="443" name="Shape 443"/>
+        <p:cNvPr id="445" name="Shape 445"/>
         <p:cNvGrpSpPr/>
         <p:nvPr/>
       </p:nvGrpSpPr>
@@ -26419,7 +26937,7 @@
       </p:grpSpPr>
       <p:pic>
         <p:nvPicPr>
-          <p:cNvPr id="444" name="Google Shape;444;p53"/>
+          <p:cNvPr id="446" name="Google Shape;446;p53"/>
           <p:cNvPicPr preferRelativeResize="0"/>
           <p:nvPr/>
         </p:nvPicPr>
@@ -26447,7 +26965,7 @@
       </p:pic>
       <p:sp>
         <p:nvSpPr>
-          <p:cNvPr id="445" name="Google Shape;445;p53"/>
+          <p:cNvPr id="447" name="Google Shape;447;p53"/>
           <p:cNvSpPr txBox="1"/>
           <p:nvPr>
             <p:ph type="title"/>
@@ -26468,7 +26986,7 @@
           </a:bodyPr>
           <a:lstStyle/>
           <a:p>
-            <a:pPr indent="0" lvl="0" marL="0" rtl="0" algn="l">
+            <a:pPr indent="0" lvl="0" marL="0" rtl="0" algn="ctr">
               <a:spcBef>
                 <a:spcPts val="0"/>
               </a:spcBef>
@@ -26495,13 +27013,13 @@
       </p:sp>
       <p:sp>
         <p:nvSpPr>
-          <p:cNvPr id="446" name="Google Shape;446;p53"/>
+          <p:cNvPr id="448" name="Google Shape;448;p53"/>
           <p:cNvSpPr txBox="1"/>
           <p:nvPr/>
         </p:nvSpPr>
         <p:spPr>
           <a:xfrm>
-            <a:off x="311700" y="717650"/>
+            <a:off x="311700" y="1081800"/>
             <a:ext cx="8697300" cy="2979900"/>
           </a:xfrm>
           <a:prstGeom prst="rect">
@@ -26609,7 +27127,7 @@
       </p:sp>
       <p:sp>
         <p:nvSpPr>
-          <p:cNvPr id="447" name="Google Shape;447;p53"/>
+          <p:cNvPr id="449" name="Google Shape;449;p53"/>
           <p:cNvSpPr txBox="1"/>
           <p:nvPr>
             <p:ph idx="12" type="sldNum"/>
@@ -26663,6 +27181,34 @@
           </a:p>
         </p:txBody>
       </p:sp>
+      <p:pic>
+        <p:nvPicPr>
+          <p:cNvPr id="450" name="Google Shape;450;p53"/>
+          <p:cNvPicPr preferRelativeResize="0"/>
+          <p:nvPr/>
+        </p:nvPicPr>
+        <p:blipFill>
+          <a:blip r:embed="rId4">
+            <a:alphaModFix/>
+          </a:blip>
+          <a:stretch>
+            <a:fillRect/>
+          </a:stretch>
+        </p:blipFill>
+        <p:spPr>
+          <a:xfrm>
+            <a:off x="2989025" y="90475"/>
+            <a:ext cx="607800" cy="607800"/>
+          </a:xfrm>
+          <a:prstGeom prst="rect">
+            <a:avLst/>
+          </a:prstGeom>
+          <a:noFill/>
+          <a:ln>
+            <a:noFill/>
+          </a:ln>
+        </p:spPr>
+      </p:pic>
     </p:spTree>
   </p:cSld>
   <p:clrMapOvr>
@@ -27597,8 +28143,8 @@
         </p:nvSpPr>
         <p:spPr>
           <a:xfrm>
-            <a:off x="1583238" y="4042013"/>
-            <a:ext cx="2095500" cy="400200"/>
+            <a:off x="1110903" y="4042025"/>
+            <a:ext cx="2568000" cy="400200"/>
           </a:xfrm>
           <a:prstGeom prst="rect">
             <a:avLst/>
@@ -27630,7 +28176,7 @@
                 <a:cs typeface="Roboto"/>
                 <a:sym typeface="Roboto"/>
               </a:rPr>
-              <a:t>(Sarkar et al. 2018)</a:t>
+              <a:t>(source: Sarkar et al. 2018)</a:t>
             </a:r>
             <a:endParaRPr>
               <a:latin typeface="Roboto"/>
@@ -27895,7 +28441,7 @@
                 <a:cs typeface="Roboto"/>
                 <a:sym typeface="Roboto"/>
               </a:rPr>
-              <a:t>(Oppermann, 2019)</a:t>
+              <a:t>(source: Oppermann, 2019)</a:t>
             </a:r>
             <a:endParaRPr>
               <a:latin typeface="Roboto"/>
@@ -28207,8 +28753,8 @@
         </p:nvSpPr>
         <p:spPr>
           <a:xfrm>
-            <a:off x="7230300" y="4250675"/>
-            <a:ext cx="1913700" cy="400200"/>
+            <a:off x="6843200" y="4250675"/>
+            <a:ext cx="2300700" cy="400200"/>
           </a:xfrm>
           <a:prstGeom prst="rect">
             <a:avLst/>
@@ -28240,7 +28786,7 @@
                 <a:cs typeface="Roboto"/>
                 <a:sym typeface="Roboto"/>
               </a:rPr>
-              <a:t>(javatpoint.com)</a:t>
+              <a:t>(source: javatpoint.com)</a:t>
             </a:r>
             <a:endParaRPr>
               <a:latin typeface="Roboto"/>
@@ -28674,8 +29220,8 @@
         </p:nvSpPr>
         <p:spPr>
           <a:xfrm>
-            <a:off x="3407000" y="4234988"/>
-            <a:ext cx="2203800" cy="400200"/>
+            <a:off x="3407000" y="4235000"/>
+            <a:ext cx="3380700" cy="400200"/>
           </a:xfrm>
           <a:prstGeom prst="rect">
             <a:avLst/>
@@ -28707,7 +29253,7 @@
                 <a:cs typeface="Roboto"/>
                 <a:sym typeface="Roboto"/>
               </a:rPr>
-              <a:t>(Sarkar et al. 2018)</a:t>
+              <a:t>(source: Sarkar et al. 2018)</a:t>
             </a:r>
             <a:endParaRPr>
               <a:latin typeface="Roboto"/>
@@ -28986,7 +29532,7 @@
                 <a:cs typeface="Roboto"/>
                 <a:sym typeface="Roboto"/>
               </a:rPr>
-              <a:t>Data and expected outputs are used to train computer to learn inherent patterns, creating a model that can help predict output for new input data</a:t>
+              <a:t>Input data and expected outputs are used to train computer to learn inherent patterns, creating a model that can help predict output for new input data</a:t>
             </a:r>
             <a:endParaRPr sz="1000">
               <a:solidFill>
@@ -29529,6 +30075,23 @@
             <a:r>
               <a:rPr lang="en" sz="1400"/>
               <a:t>Unsupervised learning</a:t>
+            </a:r>
+            <a:endParaRPr sz="1400"/>
+          </a:p>
+          <a:p>
+            <a:pPr indent="-317500" lvl="0" marL="457200" rtl="0" algn="l">
+              <a:spcBef>
+                <a:spcPts val="0"/>
+              </a:spcBef>
+              <a:spcAft>
+                <a:spcPts val="0"/>
+              </a:spcAft>
+              <a:buSzPts val="1400"/>
+              <a:buChar char="●"/>
+            </a:pPr>
+            <a:r>
+              <a:rPr lang="en" sz="1400"/>
+              <a:t>Semi-supervised learning</a:t>
             </a:r>
             <a:endParaRPr sz="1400"/>
           </a:p>

--- a/Day_1/Lectures/Day_1_Lecture_1_Introduction_to_Artificial_Intelligence_and_Machine_Learning.pptx
+++ b/Day_1/Lectures/Day_1_Lecture_1_Introduction_to_Artificial_Intelligence_and_Machine_Learning.pptx
@@ -4613,7 +4613,7 @@
   <p:cSld>
     <p:spTree>
       <p:nvGrpSpPr>
-        <p:cNvPr id="423" name="Shape 423"/>
+        <p:cNvPr id="424" name="Shape 424"/>
         <p:cNvGrpSpPr/>
         <p:nvPr/>
       </p:nvGrpSpPr>
@@ -4627,7 +4627,7 @@
       </p:grpSpPr>
       <p:sp>
         <p:nvSpPr>
-          <p:cNvPr id="424" name="Google Shape;424;gf3db6bae83_0_42:notes"/>
+          <p:cNvPr id="425" name="Google Shape;425;gf3db6bae83_0_42:notes"/>
           <p:cNvSpPr/>
           <p:nvPr>
             <p:ph idx="2" type="sldImg"/>
@@ -4662,7 +4662,7 @@
       </p:sp>
       <p:sp>
         <p:nvSpPr>
-          <p:cNvPr id="425" name="Google Shape;425;gf3db6bae83_0_42:notes"/>
+          <p:cNvPr id="426" name="Google Shape;426;gf3db6bae83_0_42:notes"/>
           <p:cNvSpPr txBox="1"/>
           <p:nvPr>
             <p:ph idx="1" type="body"/>
@@ -4712,7 +4712,7 @@
   <p:cSld>
     <p:spTree>
       <p:nvGrpSpPr>
-        <p:cNvPr id="442" name="Shape 442"/>
+        <p:cNvPr id="443" name="Shape 443"/>
         <p:cNvGrpSpPr/>
         <p:nvPr/>
       </p:nvGrpSpPr>
@@ -4726,7 +4726,7 @@
       </p:grpSpPr>
       <p:sp>
         <p:nvSpPr>
-          <p:cNvPr id="443" name="Google Shape;443;g110cd4518f6_0_0:notes"/>
+          <p:cNvPr id="444" name="Google Shape;444;g110cd4518f6_0_0:notes"/>
           <p:cNvSpPr/>
           <p:nvPr>
             <p:ph idx="2" type="sldImg"/>
@@ -4761,7 +4761,7 @@
       </p:sp>
       <p:sp>
         <p:nvSpPr>
-          <p:cNvPr id="444" name="Google Shape;444;g110cd4518f6_0_0:notes"/>
+          <p:cNvPr id="445" name="Google Shape;445;g110cd4518f6_0_0:notes"/>
           <p:cNvSpPr txBox="1"/>
           <p:nvPr>
             <p:ph idx="1" type="body"/>
@@ -25372,6 +25372,58 @@
           </a:p>
         </p:txBody>
       </p:sp>
+      <p:sp>
+        <p:nvSpPr>
+          <p:cNvPr id="423" name="Google Shape;423;p51"/>
+          <p:cNvSpPr txBox="1"/>
+          <p:nvPr/>
+        </p:nvSpPr>
+        <p:spPr>
+          <a:xfrm>
+            <a:off x="185975" y="4757550"/>
+            <a:ext cx="2537100" cy="338700"/>
+          </a:xfrm>
+          <a:prstGeom prst="rect">
+            <a:avLst/>
+          </a:prstGeom>
+          <a:noFill/>
+          <a:ln>
+            <a:noFill/>
+          </a:ln>
+        </p:spPr>
+        <p:txBody>
+          <a:bodyPr anchorCtr="0" anchor="t" bIns="91425" lIns="91425" spcFirstLastPara="1" rIns="91425" wrap="square" tIns="91425">
+            <a:spAutoFit/>
+          </a:bodyPr>
+          <a:lstStyle/>
+          <a:p>
+            <a:pPr indent="0" lvl="0" marL="0" rtl="0" algn="r">
+              <a:spcBef>
+                <a:spcPts val="0"/>
+              </a:spcBef>
+              <a:spcAft>
+                <a:spcPts val="0"/>
+              </a:spcAft>
+              <a:buNone/>
+            </a:pPr>
+            <a:r>
+              <a:rPr i="1" lang="en" sz="1000">
+                <a:latin typeface="Roboto"/>
+                <a:ea typeface="Roboto"/>
+                <a:cs typeface="Roboto"/>
+                <a:sym typeface="Roboto"/>
+              </a:rPr>
+              <a:t>Created in Lucidchart  by C. Arighi</a:t>
+            </a:r>
+            <a:endParaRPr i="1" sz="1000">
+              <a:latin typeface="Roboto"/>
+              <a:ea typeface="Roboto"/>
+              <a:cs typeface="Roboto"/>
+              <a:sym typeface="Roboto"/>
+            </a:endParaRPr>
+          </a:p>
+        </p:txBody>
+      </p:sp>
     </p:spTree>
   </p:cSld>
   <p:clrMapOvr>
@@ -25802,7 +25854,7 @@
   <p:cSld>
     <p:spTree>
       <p:nvGrpSpPr>
-        <p:cNvPr id="426" name="Shape 426"/>
+        <p:cNvPr id="427" name="Shape 427"/>
         <p:cNvGrpSpPr/>
         <p:nvPr/>
       </p:nvGrpSpPr>
@@ -25816,7 +25868,7 @@
       </p:grpSpPr>
       <p:pic>
         <p:nvPicPr>
-          <p:cNvPr id="427" name="Google Shape;427;p52"/>
+          <p:cNvPr id="428" name="Google Shape;428;p52"/>
           <p:cNvPicPr preferRelativeResize="0"/>
           <p:nvPr/>
         </p:nvPicPr>
@@ -25844,7 +25896,7 @@
       </p:pic>
       <p:sp>
         <p:nvSpPr>
-          <p:cNvPr id="428" name="Google Shape;428;p52"/>
+          <p:cNvPr id="429" name="Google Shape;429;p52"/>
           <p:cNvSpPr txBox="1"/>
           <p:nvPr>
             <p:ph type="title"/>
@@ -25892,7 +25944,7 @@
       </p:sp>
       <p:sp>
         <p:nvSpPr>
-          <p:cNvPr id="429" name="Google Shape;429;p52"/>
+          <p:cNvPr id="430" name="Google Shape;430;p52"/>
           <p:cNvSpPr txBox="1"/>
           <p:nvPr>
             <p:ph idx="12" type="sldNum"/>
@@ -25948,7 +26000,7 @@
       </p:sp>
       <p:sp>
         <p:nvSpPr>
-          <p:cNvPr id="430" name="Google Shape;430;p52"/>
+          <p:cNvPr id="431" name="Google Shape;431;p52"/>
           <p:cNvSpPr txBox="1"/>
           <p:nvPr/>
         </p:nvSpPr>
@@ -26033,47 +26085,6 @@
               <a:cs typeface="Roboto"/>
               <a:sym typeface="Roboto"/>
             </a:endParaRPr>
-          </a:p>
-        </p:txBody>
-      </p:sp>
-      <p:sp>
-        <p:nvSpPr>
-          <p:cNvPr id="431" name="Google Shape;431;p52"/>
-          <p:cNvSpPr txBox="1"/>
-          <p:nvPr/>
-        </p:nvSpPr>
-        <p:spPr>
-          <a:xfrm>
-            <a:off x="661900" y="1378950"/>
-            <a:ext cx="7143000" cy="400200"/>
-          </a:xfrm>
-          <a:prstGeom prst="rect">
-            <a:avLst/>
-          </a:prstGeom>
-          <a:noFill/>
-          <a:ln>
-            <a:noFill/>
-          </a:ln>
-        </p:spPr>
-        <p:txBody>
-          <a:bodyPr anchorCtr="0" anchor="t" bIns="91425" lIns="91425" spcFirstLastPara="1" rIns="91425" wrap="square" tIns="91425">
-            <a:spAutoFit/>
-          </a:bodyPr>
-          <a:lstStyle/>
-          <a:p>
-            <a:pPr indent="0" lvl="0" marL="0" rtl="0" algn="l">
-              <a:spcBef>
-                <a:spcPts val="0"/>
-              </a:spcBef>
-              <a:spcAft>
-                <a:spcPts val="0"/>
-              </a:spcAft>
-              <a:buNone/>
-            </a:pPr>
-            <a:r>
-              <a:t/>
-            </a:r>
-            <a:endParaRPr/>
           </a:p>
         </p:txBody>
       </p:sp>
@@ -26085,8 +26096,8 @@
         </p:nvSpPr>
         <p:spPr>
           <a:xfrm>
-            <a:off x="548700" y="900500"/>
-            <a:ext cx="7694700" cy="1046700"/>
+            <a:off x="661900" y="1378950"/>
+            <a:ext cx="7143000" cy="400200"/>
           </a:xfrm>
           <a:prstGeom prst="rect">
             <a:avLst/>
@@ -26102,70 +26113,17 @@
           </a:bodyPr>
           <a:lstStyle/>
           <a:p>
-            <a:pPr indent="-317500" lvl="0" marL="457200" rtl="0" algn="l">
-              <a:spcBef>
-                <a:spcPts val="0"/>
-              </a:spcBef>
-              <a:spcAft>
-                <a:spcPts val="0"/>
-              </a:spcAft>
-              <a:buSzPts val="1400"/>
-              <a:buChar char="❏"/>
-            </a:pPr>
-            <a:r>
-              <a:rPr lang="en"/>
-              <a:t>Neuroscience</a:t>
-            </a:r>
-            <a:endParaRPr/>
-          </a:p>
-          <a:p>
-            <a:pPr indent="-317500" lvl="0" marL="457200" rtl="0" algn="l">
-              <a:spcBef>
-                <a:spcPts val="0"/>
-              </a:spcBef>
-              <a:spcAft>
-                <a:spcPts val="0"/>
-              </a:spcAft>
-              <a:buSzPts val="1400"/>
-              <a:buChar char="❏"/>
-            </a:pPr>
-            <a:r>
-              <a:rPr lang="en"/>
-              <a:t>Mathematics</a:t>
-            </a:r>
-            <a:endParaRPr/>
-          </a:p>
-          <a:p>
-            <a:pPr indent="-317500" lvl="0" marL="457200" rtl="0" algn="l">
-              <a:spcBef>
-                <a:spcPts val="0"/>
-              </a:spcBef>
-              <a:spcAft>
-                <a:spcPts val="0"/>
-              </a:spcAft>
-              <a:buSzPts val="1400"/>
-              <a:buChar char="❏"/>
-            </a:pPr>
-            <a:r>
-              <a:rPr lang="en"/>
-              <a:t>Data Science</a:t>
-            </a:r>
-            <a:endParaRPr/>
-          </a:p>
-          <a:p>
-            <a:pPr indent="-317500" lvl="0" marL="457200" rtl="0" algn="l">
-              <a:spcBef>
-                <a:spcPts val="0"/>
-              </a:spcBef>
-              <a:spcAft>
-                <a:spcPts val="0"/>
-              </a:spcAft>
-              <a:buSzPts val="1400"/>
-              <a:buChar char="❏"/>
-            </a:pPr>
-            <a:r>
-              <a:rPr lang="en"/>
-              <a:t>Computer Science</a:t>
+            <a:pPr indent="0" lvl="0" marL="0" rtl="0" algn="l">
+              <a:spcBef>
+                <a:spcPts val="0"/>
+              </a:spcBef>
+              <a:spcAft>
+                <a:spcPts val="0"/>
+              </a:spcAft>
+              <a:buNone/>
+            </a:pPr>
+            <a:r>
+              <a:t/>
             </a:r>
             <a:endParaRPr/>
           </a:p>
@@ -26179,8 +26137,8 @@
         </p:nvSpPr>
         <p:spPr>
           <a:xfrm>
-            <a:off x="405900" y="1821625"/>
-            <a:ext cx="8332200" cy="461700"/>
+            <a:off x="548700" y="900500"/>
+            <a:ext cx="7694700" cy="1046700"/>
           </a:xfrm>
           <a:prstGeom prst="rect">
             <a:avLst/>
@@ -26196,59 +26154,72 @@
           </a:bodyPr>
           <a:lstStyle/>
           <a:p>
-            <a:pPr indent="-342900" lvl="0" marL="457200" rtl="0" algn="l">
-              <a:spcBef>
-                <a:spcPts val="0"/>
-              </a:spcBef>
-              <a:spcAft>
-                <a:spcPts val="0"/>
-              </a:spcAft>
-              <a:buSzPts val="1800"/>
-              <a:buFont typeface="Roboto"/>
-              <a:buChar char="●"/>
-            </a:pPr>
-            <a:r>
-              <a:rPr lang="en" sz="1800">
-                <a:latin typeface="Roboto"/>
-                <a:ea typeface="Roboto"/>
-                <a:cs typeface="Roboto"/>
-                <a:sym typeface="Roboto"/>
-              </a:rPr>
-              <a:t>What are the </a:t>
-            </a:r>
-            <a:r>
-              <a:rPr lang="en" sz="1800">
-                <a:latin typeface="Roboto"/>
-                <a:ea typeface="Roboto"/>
-                <a:cs typeface="Roboto"/>
-                <a:sym typeface="Roboto"/>
-              </a:rPr>
-              <a:t>characteristics</a:t>
-            </a:r>
-            <a:r>
-              <a:rPr lang="en" sz="1800">
-                <a:latin typeface="Roboto"/>
-                <a:ea typeface="Roboto"/>
-                <a:cs typeface="Roboto"/>
-                <a:sym typeface="Roboto"/>
-              </a:rPr>
-              <a:t> of </a:t>
-            </a:r>
-            <a:r>
-              <a:rPr lang="en" sz="1800">
-                <a:latin typeface="Roboto"/>
-                <a:ea typeface="Roboto"/>
-                <a:cs typeface="Roboto"/>
-                <a:sym typeface="Roboto"/>
-              </a:rPr>
-              <a:t>Machine Learning algorithms?</a:t>
-            </a:r>
-            <a:endParaRPr sz="1800">
-              <a:latin typeface="Roboto"/>
-              <a:ea typeface="Roboto"/>
-              <a:cs typeface="Roboto"/>
-              <a:sym typeface="Roboto"/>
-            </a:endParaRPr>
+            <a:pPr indent="-317500" lvl="0" marL="457200" rtl="0" algn="l">
+              <a:spcBef>
+                <a:spcPts val="0"/>
+              </a:spcBef>
+              <a:spcAft>
+                <a:spcPts val="0"/>
+              </a:spcAft>
+              <a:buSzPts val="1400"/>
+              <a:buChar char="❏"/>
+            </a:pPr>
+            <a:r>
+              <a:rPr lang="en"/>
+              <a:t>Neuroscience</a:t>
+            </a:r>
+            <a:endParaRPr/>
+          </a:p>
+          <a:p>
+            <a:pPr indent="-317500" lvl="0" marL="457200" rtl="0" algn="l">
+              <a:spcBef>
+                <a:spcPts val="0"/>
+              </a:spcBef>
+              <a:spcAft>
+                <a:spcPts val="0"/>
+              </a:spcAft>
+              <a:buSzPts val="1400"/>
+              <a:buChar char="❏"/>
+            </a:pPr>
+            <a:r>
+              <a:rPr lang="en"/>
+              <a:t>Mathematics</a:t>
+            </a:r>
+            <a:endParaRPr/>
+          </a:p>
+          <a:p>
+            <a:pPr indent="-317500" lvl="0" marL="457200" rtl="0" algn="l">
+              <a:spcBef>
+                <a:spcPts val="0"/>
+              </a:spcBef>
+              <a:spcAft>
+                <a:spcPts val="0"/>
+              </a:spcAft>
+              <a:buSzPts val="1400"/>
+              <a:buChar char="❏"/>
+            </a:pPr>
+            <a:r>
+              <a:rPr lang="en"/>
+              <a:t>Data Science</a:t>
+            </a:r>
+            <a:endParaRPr/>
+          </a:p>
+          <a:p>
+            <a:pPr indent="-317500" lvl="0" marL="457200" rtl="0" algn="l">
+              <a:spcBef>
+                <a:spcPts val="0"/>
+              </a:spcBef>
+              <a:spcAft>
+                <a:spcPts val="0"/>
+              </a:spcAft>
+              <a:buSzPts val="1400"/>
+              <a:buChar char="❏"/>
+            </a:pPr>
+            <a:r>
+              <a:rPr lang="en"/>
+              <a:t>Computer Science</a:t>
+            </a:r>
+            <a:endParaRPr/>
           </a:p>
         </p:txBody>
       </p:sp>
@@ -26260,8 +26231,8 @@
         </p:nvSpPr>
         <p:spPr>
           <a:xfrm>
-            <a:off x="548700" y="2199288"/>
-            <a:ext cx="7694700" cy="1046700"/>
+            <a:off x="405900" y="1821625"/>
+            <a:ext cx="8332200" cy="461700"/>
           </a:xfrm>
           <a:prstGeom prst="rect">
             <a:avLst/>
@@ -26277,72 +26248,59 @@
           </a:bodyPr>
           <a:lstStyle/>
           <a:p>
-            <a:pPr indent="-317500" lvl="0" marL="457200" rtl="0" algn="l">
-              <a:spcBef>
-                <a:spcPts val="0"/>
-              </a:spcBef>
-              <a:spcAft>
-                <a:spcPts val="0"/>
-              </a:spcAft>
-              <a:buSzPts val="1400"/>
-              <a:buChar char="❏"/>
-            </a:pPr>
-            <a:r>
-              <a:rPr lang="en"/>
-              <a:t>Performing some task</a:t>
-            </a:r>
-            <a:endParaRPr/>
-          </a:p>
-          <a:p>
-            <a:pPr indent="-317500" lvl="0" marL="457200" rtl="0" algn="l">
-              <a:spcBef>
-                <a:spcPts val="0"/>
-              </a:spcBef>
-              <a:spcAft>
-                <a:spcPts val="0"/>
-              </a:spcAft>
-              <a:buSzPts val="1400"/>
-              <a:buChar char="❏"/>
-            </a:pPr>
-            <a:r>
-              <a:rPr lang="en"/>
-              <a:t>Gain experience over time</a:t>
-            </a:r>
-            <a:endParaRPr/>
-          </a:p>
-          <a:p>
-            <a:pPr indent="-317500" lvl="0" marL="457200" rtl="0" algn="l">
-              <a:spcBef>
-                <a:spcPts val="0"/>
-              </a:spcBef>
-              <a:spcAft>
-                <a:spcPts val="0"/>
-              </a:spcAft>
-              <a:buSzPts val="1400"/>
-              <a:buChar char="❏"/>
-            </a:pPr>
-            <a:r>
-              <a:rPr lang="en"/>
-              <a:t>Improve their performance</a:t>
-            </a:r>
-            <a:endParaRPr/>
-          </a:p>
-          <a:p>
-            <a:pPr indent="-317500" lvl="0" marL="457200" rtl="0" algn="l">
-              <a:spcBef>
-                <a:spcPts val="0"/>
-              </a:spcBef>
-              <a:spcAft>
-                <a:spcPts val="0"/>
-              </a:spcAft>
-              <a:buSzPts val="1400"/>
-              <a:buChar char="❏"/>
-            </a:pPr>
-            <a:r>
-              <a:rPr lang="en"/>
-              <a:t>All of the above</a:t>
-            </a:r>
-            <a:endParaRPr/>
+            <a:pPr indent="-342900" lvl="0" marL="457200" rtl="0" algn="l">
+              <a:spcBef>
+                <a:spcPts val="0"/>
+              </a:spcBef>
+              <a:spcAft>
+                <a:spcPts val="0"/>
+              </a:spcAft>
+              <a:buSzPts val="1800"/>
+              <a:buFont typeface="Roboto"/>
+              <a:buChar char="●"/>
+            </a:pPr>
+            <a:r>
+              <a:rPr lang="en" sz="1800">
+                <a:latin typeface="Roboto"/>
+                <a:ea typeface="Roboto"/>
+                <a:cs typeface="Roboto"/>
+                <a:sym typeface="Roboto"/>
+              </a:rPr>
+              <a:t>What are the </a:t>
+            </a:r>
+            <a:r>
+              <a:rPr lang="en" sz="1800">
+                <a:latin typeface="Roboto"/>
+                <a:ea typeface="Roboto"/>
+                <a:cs typeface="Roboto"/>
+                <a:sym typeface="Roboto"/>
+              </a:rPr>
+              <a:t>characteristics</a:t>
+            </a:r>
+            <a:r>
+              <a:rPr lang="en" sz="1800">
+                <a:latin typeface="Roboto"/>
+                <a:ea typeface="Roboto"/>
+                <a:cs typeface="Roboto"/>
+                <a:sym typeface="Roboto"/>
+              </a:rPr>
+              <a:t> of </a:t>
+            </a:r>
+            <a:r>
+              <a:rPr lang="en" sz="1800">
+                <a:latin typeface="Roboto"/>
+                <a:ea typeface="Roboto"/>
+                <a:cs typeface="Roboto"/>
+                <a:sym typeface="Roboto"/>
+              </a:rPr>
+              <a:t>Machine Learning algorithms?</a:t>
+            </a:r>
+            <a:endParaRPr sz="1800">
+              <a:latin typeface="Roboto"/>
+              <a:ea typeface="Roboto"/>
+              <a:cs typeface="Roboto"/>
+              <a:sym typeface="Roboto"/>
+            </a:endParaRPr>
           </a:p>
         </p:txBody>
       </p:sp>
@@ -26354,8 +26312,8 @@
         </p:nvSpPr>
         <p:spPr>
           <a:xfrm>
-            <a:off x="405900" y="3197013"/>
-            <a:ext cx="8332200" cy="461700"/>
+            <a:off x="548700" y="2199288"/>
+            <a:ext cx="7694700" cy="1046700"/>
           </a:xfrm>
           <a:prstGeom prst="rect">
             <a:avLst/>
@@ -26371,50 +26329,72 @@
           </a:bodyPr>
           <a:lstStyle/>
           <a:p>
-            <a:pPr indent="-342900" lvl="0" marL="457200" rtl="0" algn="l">
-              <a:spcBef>
-                <a:spcPts val="0"/>
-              </a:spcBef>
-              <a:spcAft>
-                <a:spcPts val="0"/>
-              </a:spcAft>
-              <a:buSzPts val="1800"/>
-              <a:buFont typeface="Roboto"/>
-              <a:buChar char="●"/>
-            </a:pPr>
-            <a:r>
-              <a:rPr lang="en" sz="1800">
-                <a:latin typeface="Roboto"/>
-                <a:ea typeface="Roboto"/>
-                <a:cs typeface="Roboto"/>
-                <a:sym typeface="Roboto"/>
-              </a:rPr>
-              <a:t>Which</a:t>
-            </a:r>
-            <a:r>
-              <a:rPr lang="en" sz="1800">
-                <a:latin typeface="Roboto"/>
-                <a:ea typeface="Roboto"/>
-                <a:cs typeface="Roboto"/>
-                <a:sym typeface="Roboto"/>
-              </a:rPr>
-              <a:t> of the following is not supervised learning</a:t>
-            </a:r>
-            <a:r>
-              <a:rPr lang="en" sz="1800">
-                <a:latin typeface="Roboto"/>
-                <a:ea typeface="Roboto"/>
-                <a:cs typeface="Roboto"/>
-                <a:sym typeface="Roboto"/>
-              </a:rPr>
-              <a:t>?</a:t>
-            </a:r>
-            <a:endParaRPr sz="1800">
-              <a:latin typeface="Roboto"/>
-              <a:ea typeface="Roboto"/>
-              <a:cs typeface="Roboto"/>
-              <a:sym typeface="Roboto"/>
-            </a:endParaRPr>
+            <a:pPr indent="-317500" lvl="0" marL="457200" rtl="0" algn="l">
+              <a:spcBef>
+                <a:spcPts val="0"/>
+              </a:spcBef>
+              <a:spcAft>
+                <a:spcPts val="0"/>
+              </a:spcAft>
+              <a:buSzPts val="1400"/>
+              <a:buChar char="❏"/>
+            </a:pPr>
+            <a:r>
+              <a:rPr lang="en"/>
+              <a:t>Performing some task</a:t>
+            </a:r>
+            <a:endParaRPr/>
+          </a:p>
+          <a:p>
+            <a:pPr indent="-317500" lvl="0" marL="457200" rtl="0" algn="l">
+              <a:spcBef>
+                <a:spcPts val="0"/>
+              </a:spcBef>
+              <a:spcAft>
+                <a:spcPts val="0"/>
+              </a:spcAft>
+              <a:buSzPts val="1400"/>
+              <a:buChar char="❏"/>
+            </a:pPr>
+            <a:r>
+              <a:rPr lang="en"/>
+              <a:t>Gain experience over time</a:t>
+            </a:r>
+            <a:endParaRPr/>
+          </a:p>
+          <a:p>
+            <a:pPr indent="-317500" lvl="0" marL="457200" rtl="0" algn="l">
+              <a:spcBef>
+                <a:spcPts val="0"/>
+              </a:spcBef>
+              <a:spcAft>
+                <a:spcPts val="0"/>
+              </a:spcAft>
+              <a:buSzPts val="1400"/>
+              <a:buChar char="❏"/>
+            </a:pPr>
+            <a:r>
+              <a:rPr lang="en"/>
+              <a:t>Improve their performance</a:t>
+            </a:r>
+            <a:endParaRPr/>
+          </a:p>
+          <a:p>
+            <a:pPr indent="-317500" lvl="0" marL="457200" rtl="0" algn="l">
+              <a:spcBef>
+                <a:spcPts val="0"/>
+              </a:spcBef>
+              <a:spcAft>
+                <a:spcPts val="0"/>
+              </a:spcAft>
+              <a:buSzPts val="1400"/>
+              <a:buChar char="❏"/>
+            </a:pPr>
+            <a:r>
+              <a:rPr lang="en"/>
+              <a:t>All of the above</a:t>
+            </a:r>
+            <a:endParaRPr/>
           </a:p>
         </p:txBody>
       </p:sp>
@@ -26426,8 +26406,8 @@
         </p:nvSpPr>
         <p:spPr>
           <a:xfrm>
-            <a:off x="548700" y="3545488"/>
-            <a:ext cx="7694700" cy="1046700"/>
+            <a:off x="405900" y="3197013"/>
+            <a:ext cx="8332200" cy="461700"/>
           </a:xfrm>
           <a:prstGeom prst="rect">
             <a:avLst/>
@@ -26443,76 +26423,50 @@
           </a:bodyPr>
           <a:lstStyle/>
           <a:p>
-            <a:pPr indent="-317500" lvl="0" marL="457200" rtl="0" algn="l">
-              <a:spcBef>
-                <a:spcPts val="0"/>
-              </a:spcBef>
-              <a:spcAft>
-                <a:spcPts val="0"/>
-              </a:spcAft>
-              <a:buSzPts val="1400"/>
-              <a:buChar char="❏"/>
-            </a:pPr>
-            <a:r>
-              <a:rPr lang="en"/>
-              <a:t>Linear regression</a:t>
-            </a:r>
-            <a:endParaRPr/>
-          </a:p>
-          <a:p>
-            <a:pPr indent="-317500" lvl="0" marL="457200" rtl="0" algn="l">
-              <a:spcBef>
-                <a:spcPts val="0"/>
-              </a:spcBef>
-              <a:spcAft>
-                <a:spcPts val="0"/>
-              </a:spcAft>
-              <a:buSzPts val="1400"/>
-              <a:buChar char="❏"/>
-            </a:pPr>
-            <a:r>
-              <a:rPr lang="en"/>
-              <a:t>Decision tree</a:t>
-            </a:r>
-            <a:endParaRPr/>
-          </a:p>
-          <a:p>
-            <a:pPr indent="-317500" lvl="0" marL="457200" rtl="0" algn="l">
-              <a:spcBef>
-                <a:spcPts val="0"/>
-              </a:spcBef>
-              <a:spcAft>
-                <a:spcPts val="0"/>
-              </a:spcAft>
-              <a:buSzPts val="1400"/>
-              <a:buChar char="❏"/>
-            </a:pPr>
-            <a:r>
-              <a:rPr lang="en"/>
-              <a:t>Principal</a:t>
-            </a:r>
-            <a:r>
-              <a:rPr lang="en"/>
-              <a:t> Component Analysis</a:t>
-            </a:r>
-            <a:endParaRPr/>
-          </a:p>
-          <a:p>
-            <a:pPr indent="-317500" lvl="0" marL="457200" rtl="0" algn="l">
-              <a:spcBef>
-                <a:spcPts val="0"/>
-              </a:spcBef>
-              <a:spcAft>
-                <a:spcPts val="0"/>
-              </a:spcAft>
-              <a:buSzPts val="1400"/>
-              <a:buChar char="❏"/>
-            </a:pPr>
-            <a:r>
-              <a:rPr lang="en"/>
-              <a:t>Support Vector Machine</a:t>
-            </a:r>
-            <a:endParaRPr/>
+            <a:pPr indent="-342900" lvl="0" marL="457200" rtl="0" algn="l">
+              <a:spcBef>
+                <a:spcPts val="0"/>
+              </a:spcBef>
+              <a:spcAft>
+                <a:spcPts val="0"/>
+              </a:spcAft>
+              <a:buSzPts val="1800"/>
+              <a:buFont typeface="Roboto"/>
+              <a:buChar char="●"/>
+            </a:pPr>
+            <a:r>
+              <a:rPr lang="en" sz="1800">
+                <a:latin typeface="Roboto"/>
+                <a:ea typeface="Roboto"/>
+                <a:cs typeface="Roboto"/>
+                <a:sym typeface="Roboto"/>
+              </a:rPr>
+              <a:t>Which</a:t>
+            </a:r>
+            <a:r>
+              <a:rPr lang="en" sz="1800">
+                <a:latin typeface="Roboto"/>
+                <a:ea typeface="Roboto"/>
+                <a:cs typeface="Roboto"/>
+                <a:sym typeface="Roboto"/>
+              </a:rPr>
+              <a:t> of the following is not supervised learning</a:t>
+            </a:r>
+            <a:r>
+              <a:rPr lang="en" sz="1800">
+                <a:latin typeface="Roboto"/>
+                <a:ea typeface="Roboto"/>
+                <a:cs typeface="Roboto"/>
+                <a:sym typeface="Roboto"/>
+              </a:rPr>
+              <a:t>?</a:t>
+            </a:r>
+            <a:endParaRPr sz="1800">
+              <a:latin typeface="Roboto"/>
+              <a:ea typeface="Roboto"/>
+              <a:cs typeface="Roboto"/>
+              <a:sym typeface="Roboto"/>
+            </a:endParaRPr>
           </a:p>
         </p:txBody>
       </p:sp>
@@ -26524,8 +26478,8 @@
         </p:nvSpPr>
         <p:spPr>
           <a:xfrm>
-            <a:off x="661900" y="840513"/>
-            <a:ext cx="427500" cy="400200"/>
+            <a:off x="548700" y="3545488"/>
+            <a:ext cx="7694700" cy="1046700"/>
           </a:xfrm>
           <a:prstGeom prst="rect">
             <a:avLst/>
@@ -26541,18 +26495,74 @@
           </a:bodyPr>
           <a:lstStyle/>
           <a:p>
-            <a:pPr indent="0" lvl="0" marL="0" rtl="0" algn="l">
-              <a:spcBef>
-                <a:spcPts val="0"/>
-              </a:spcBef>
-              <a:spcAft>
-                <a:spcPts val="0"/>
-              </a:spcAft>
-              <a:buNone/>
+            <a:pPr indent="-317500" lvl="0" marL="457200" rtl="0" algn="l">
+              <a:spcBef>
+                <a:spcPts val="0"/>
+              </a:spcBef>
+              <a:spcAft>
+                <a:spcPts val="0"/>
+              </a:spcAft>
+              <a:buSzPts val="1400"/>
+              <a:buChar char="❏"/>
             </a:pPr>
             <a:r>
               <a:rPr lang="en"/>
-              <a:t>✔</a:t>
+              <a:t>Linear regression</a:t>
+            </a:r>
+            <a:endParaRPr/>
+          </a:p>
+          <a:p>
+            <a:pPr indent="-317500" lvl="0" marL="457200" rtl="0" algn="l">
+              <a:spcBef>
+                <a:spcPts val="0"/>
+              </a:spcBef>
+              <a:spcAft>
+                <a:spcPts val="0"/>
+              </a:spcAft>
+              <a:buSzPts val="1400"/>
+              <a:buChar char="❏"/>
+            </a:pPr>
+            <a:r>
+              <a:rPr lang="en"/>
+              <a:t>Decision tree</a:t>
+            </a:r>
+            <a:endParaRPr/>
+          </a:p>
+          <a:p>
+            <a:pPr indent="-317500" lvl="0" marL="457200" rtl="0" algn="l">
+              <a:spcBef>
+                <a:spcPts val="0"/>
+              </a:spcBef>
+              <a:spcAft>
+                <a:spcPts val="0"/>
+              </a:spcAft>
+              <a:buSzPts val="1400"/>
+              <a:buChar char="❏"/>
+            </a:pPr>
+            <a:r>
+              <a:rPr lang="en"/>
+              <a:t>Principal</a:t>
+            </a:r>
+            <a:r>
+              <a:rPr lang="en"/>
+              <a:t> Component Analysis</a:t>
+            </a:r>
+            <a:endParaRPr/>
+          </a:p>
+          <a:p>
+            <a:pPr indent="-317500" lvl="0" marL="457200" rtl="0" algn="l">
+              <a:spcBef>
+                <a:spcPts val="0"/>
+              </a:spcBef>
+              <a:spcAft>
+                <a:spcPts val="0"/>
+              </a:spcAft>
+              <a:buSzPts val="1400"/>
+              <a:buChar char="❏"/>
+            </a:pPr>
+            <a:r>
+              <a:rPr lang="en"/>
+              <a:t>Support Vector Machine</a:t>
             </a:r>
             <a:endParaRPr/>
           </a:p>
@@ -26566,7 +26576,7 @@
         </p:nvSpPr>
         <p:spPr>
           <a:xfrm>
-            <a:off x="661900" y="2796825"/>
+            <a:off x="661900" y="840513"/>
             <a:ext cx="427500" cy="400200"/>
           </a:xfrm>
           <a:prstGeom prst="rect">
@@ -26608,7 +26618,7 @@
         </p:nvSpPr>
         <p:spPr>
           <a:xfrm>
-            <a:off x="661900" y="3915450"/>
+            <a:off x="661900" y="2796825"/>
             <a:ext cx="427500" cy="400200"/>
           </a:xfrm>
           <a:prstGeom prst="rect">
@@ -26650,6 +26660,48 @@
         </p:nvSpPr>
         <p:spPr>
           <a:xfrm>
+            <a:off x="661900" y="3915450"/>
+            <a:ext cx="427500" cy="400200"/>
+          </a:xfrm>
+          <a:prstGeom prst="rect">
+            <a:avLst/>
+          </a:prstGeom>
+          <a:noFill/>
+          <a:ln>
+            <a:noFill/>
+          </a:ln>
+        </p:spPr>
+        <p:txBody>
+          <a:bodyPr anchorCtr="0" anchor="t" bIns="91425" lIns="91425" spcFirstLastPara="1" rIns="91425" wrap="square" tIns="91425">
+            <a:spAutoFit/>
+          </a:bodyPr>
+          <a:lstStyle/>
+          <a:p>
+            <a:pPr indent="0" lvl="0" marL="0" rtl="0" algn="l">
+              <a:spcBef>
+                <a:spcPts val="0"/>
+              </a:spcBef>
+              <a:spcAft>
+                <a:spcPts val="0"/>
+              </a:spcAft>
+              <a:buNone/>
+            </a:pPr>
+            <a:r>
+              <a:rPr lang="en"/>
+              <a:t>✔</a:t>
+            </a:r>
+            <a:endParaRPr/>
+          </a:p>
+        </p:txBody>
+      </p:sp>
+      <p:sp>
+        <p:nvSpPr>
+          <p:cNvPr id="441" name="Google Shape;441;p52"/>
+          <p:cNvSpPr txBox="1"/>
+          <p:nvPr/>
+        </p:nvSpPr>
+        <p:spPr>
+          <a:xfrm>
             <a:off x="4572000" y="3961825"/>
             <a:ext cx="3296400" cy="400200"/>
           </a:xfrm>
@@ -26695,7 +26747,7 @@
       </p:sp>
       <p:pic>
         <p:nvPicPr>
-          <p:cNvPr id="441" name="Google Shape;441;p52"/>
+          <p:cNvPr id="442" name="Google Shape;442;p52"/>
           <p:cNvPicPr preferRelativeResize="0"/>
           <p:nvPr/>
         </p:nvPicPr>
@@ -26734,59 +26786,6 @@
             <p:seq concurrent="1" nextAc="seek">
               <p:cTn dur="indefinite" id="2" nodeType="mainSeq">
                 <p:childTnLst>
-                  <p:par>
-                    <p:cTn fill="hold">
-                      <p:stCondLst>
-                        <p:cond delay="indefinite"/>
-                      </p:stCondLst>
-                      <p:childTnLst>
-                        <p:par>
-                          <p:cTn fill="hold">
-                            <p:stCondLst>
-                              <p:cond delay="0"/>
-                            </p:stCondLst>
-                            <p:childTnLst>
-                              <p:par>
-                                <p:cTn fill="hold" nodeType="clickEffect" presetClass="entr" presetID="10" presetSubtype="0">
-                                  <p:stCondLst>
-                                    <p:cond delay="0"/>
-                                  </p:stCondLst>
-                                  <p:childTnLst>
-                                    <p:set>
-                                      <p:cBhvr>
-                                        <p:cTn dur="1" fill="hold">
-                                          <p:stCondLst>
-                                            <p:cond delay="0"/>
-                                          </p:stCondLst>
-                                        </p:cTn>
-                                        <p:tgtEl>
-                                          <p:spTgt spid="437"/>
-                                        </p:tgtEl>
-                                        <p:attrNameLst>
-                                          <p:attrName>style.visibility</p:attrName>
-                                        </p:attrNameLst>
-                                      </p:cBhvr>
-                                      <p:to>
-                                        <p:strVal val="visible"/>
-                                      </p:to>
-                                    </p:set>
-                                    <p:animEffect filter="fade" transition="in">
-                                      <p:cBhvr>
-                                        <p:cTn dur="1000"/>
-                                        <p:tgtEl>
-                                          <p:spTgt spid="437"/>
-                                        </p:tgtEl>
-                                      </p:cBhvr>
-                                    </p:animEffect>
-                                  </p:childTnLst>
-                                </p:cTn>
-                              </p:par>
-                            </p:childTnLst>
-                          </p:cTn>
-                        </p:par>
-                      </p:childTnLst>
-                    </p:cTn>
-                  </p:par>
                   <p:par>
                     <p:cTn fill="hold">
                       <p:stCondLst>
@@ -26893,6 +26892,59 @@
                       </p:childTnLst>
                     </p:cTn>
                   </p:par>
+                  <p:par>
+                    <p:cTn fill="hold">
+                      <p:stCondLst>
+                        <p:cond delay="indefinite"/>
+                      </p:stCondLst>
+                      <p:childTnLst>
+                        <p:par>
+                          <p:cTn fill="hold">
+                            <p:stCondLst>
+                              <p:cond delay="0"/>
+                            </p:stCondLst>
+                            <p:childTnLst>
+                              <p:par>
+                                <p:cTn fill="hold" nodeType="clickEffect" presetClass="entr" presetID="10" presetSubtype="0">
+                                  <p:stCondLst>
+                                    <p:cond delay="0"/>
+                                  </p:stCondLst>
+                                  <p:childTnLst>
+                                    <p:set>
+                                      <p:cBhvr>
+                                        <p:cTn dur="1" fill="hold">
+                                          <p:stCondLst>
+                                            <p:cond delay="0"/>
+                                          </p:stCondLst>
+                                        </p:cTn>
+                                        <p:tgtEl>
+                                          <p:spTgt spid="440"/>
+                                        </p:tgtEl>
+                                        <p:attrNameLst>
+                                          <p:attrName>style.visibility</p:attrName>
+                                        </p:attrNameLst>
+                                      </p:cBhvr>
+                                      <p:to>
+                                        <p:strVal val="visible"/>
+                                      </p:to>
+                                    </p:set>
+                                    <p:animEffect filter="fade" transition="in">
+                                      <p:cBhvr>
+                                        <p:cTn dur="1000"/>
+                                        <p:tgtEl>
+                                          <p:spTgt spid="440"/>
+                                        </p:tgtEl>
+                                      </p:cBhvr>
+                                    </p:animEffect>
+                                  </p:childTnLst>
+                                </p:cTn>
+                              </p:par>
+                            </p:childTnLst>
+                          </p:cTn>
+                        </p:par>
+                      </p:childTnLst>
+                    </p:cTn>
+                  </p:par>
                 </p:childTnLst>
               </p:cTn>
               <p:prevCondLst>
@@ -26923,7 +26975,7 @@
   <p:cSld>
     <p:spTree>
       <p:nvGrpSpPr>
-        <p:cNvPr id="445" name="Shape 445"/>
+        <p:cNvPr id="446" name="Shape 446"/>
         <p:cNvGrpSpPr/>
         <p:nvPr/>
       </p:nvGrpSpPr>
@@ -26937,7 +26989,7 @@
       </p:grpSpPr>
       <p:pic>
         <p:nvPicPr>
-          <p:cNvPr id="446" name="Google Shape;446;p53"/>
+          <p:cNvPr id="447" name="Google Shape;447;p53"/>
           <p:cNvPicPr preferRelativeResize="0"/>
           <p:nvPr/>
         </p:nvPicPr>
@@ -26965,7 +27017,7 @@
       </p:pic>
       <p:sp>
         <p:nvSpPr>
-          <p:cNvPr id="447" name="Google Shape;447;p53"/>
+          <p:cNvPr id="448" name="Google Shape;448;p53"/>
           <p:cNvSpPr txBox="1"/>
           <p:nvPr>
             <p:ph type="title"/>
@@ -27013,7 +27065,7 @@
       </p:sp>
       <p:sp>
         <p:nvSpPr>
-          <p:cNvPr id="448" name="Google Shape;448;p53"/>
+          <p:cNvPr id="449" name="Google Shape;449;p53"/>
           <p:cNvSpPr txBox="1"/>
           <p:nvPr/>
         </p:nvSpPr>
@@ -27127,7 +27179,7 @@
       </p:sp>
       <p:sp>
         <p:nvSpPr>
-          <p:cNvPr id="449" name="Google Shape;449;p53"/>
+          <p:cNvPr id="450" name="Google Shape;450;p53"/>
           <p:cNvSpPr txBox="1"/>
           <p:nvPr>
             <p:ph idx="12" type="sldNum"/>
@@ -27183,7 +27235,7 @@
       </p:sp>
       <p:pic>
         <p:nvPicPr>
-          <p:cNvPr id="450" name="Google Shape;450;p53"/>
+          <p:cNvPr id="451" name="Google Shape;451;p53"/>
           <p:cNvPicPr preferRelativeResize="0"/>
           <p:nvPr/>
         </p:nvPicPr>
@@ -30545,9 +30597,9 @@
 </file>
 
 <file path=ppt/theme/theme1.xml><?xml version="1.0" encoding="utf-8"?>
-<a:theme xmlns:a="http://schemas.openxmlformats.org/drawingml/2006/main" xmlns:r="http://schemas.openxmlformats.org/officeDocument/2006/relationships" name="Simple Light">
+<a:theme xmlns:a="http://schemas.openxmlformats.org/drawingml/2006/main" xmlns:r="http://schemas.openxmlformats.org/officeDocument/2006/relationships">
   <a:themeElements>
-    <a:clrScheme name="Simple Light">
+    <a:clrScheme name="Default">
       <a:dk1>
         <a:srgbClr val="000000"/>
       </a:dk1>
@@ -30555,34 +30607,34 @@
         <a:srgbClr val="FFFFFF"/>
       </a:lt1>
       <a:dk2>
-        <a:srgbClr val="595959"/>
+        <a:srgbClr val="158158"/>
       </a:dk2>
       <a:lt2>
-        <a:srgbClr val="EEEEEE"/>
+        <a:srgbClr val="F3F3F3"/>
       </a:lt2>
       <a:accent1>
-        <a:srgbClr val="4285F4"/>
+        <a:srgbClr val="058DC7"/>
       </a:accent1>
       <a:accent2>
-        <a:srgbClr val="212121"/>
+        <a:srgbClr val="50B432"/>
       </a:accent2>
       <a:accent3>
-        <a:srgbClr val="78909C"/>
+        <a:srgbClr val="ED561B"/>
       </a:accent3>
       <a:accent4>
-        <a:srgbClr val="FFAB40"/>
+        <a:srgbClr val="EDEF00"/>
       </a:accent4>
       <a:accent5>
-        <a:srgbClr val="0097A7"/>
+        <a:srgbClr val="24CBE5"/>
       </a:accent5>
       <a:accent6>
-        <a:srgbClr val="EEFF41"/>
+        <a:srgbClr val="64E572"/>
       </a:accent6>
       <a:hlink>
-        <a:srgbClr val="0097A7"/>
+        <a:srgbClr val="2200CC"/>
       </a:hlink>
       <a:folHlink>
-        <a:srgbClr val="0097A7"/>
+        <a:srgbClr val="551A8B"/>
       </a:folHlink>
     </a:clrScheme>
     <a:fontScheme name="Office">
@@ -31103,9 +31155,9 @@
 </file>
 
 <file path=ppt/theme/theme3.xml><?xml version="1.0" encoding="utf-8"?>
-<a:theme xmlns:a="http://schemas.openxmlformats.org/drawingml/2006/main" xmlns:r="http://schemas.openxmlformats.org/officeDocument/2006/relationships">
+<a:theme xmlns:a="http://schemas.openxmlformats.org/drawingml/2006/main" xmlns:r="http://schemas.openxmlformats.org/officeDocument/2006/relationships" name="Simple Light">
   <a:themeElements>
-    <a:clrScheme name="Default">
+    <a:clrScheme name="Simple Light">
       <a:dk1>
         <a:srgbClr val="000000"/>
       </a:dk1>
@@ -31113,34 +31165,34 @@
         <a:srgbClr val="FFFFFF"/>
       </a:lt1>
       <a:dk2>
-        <a:srgbClr val="158158"/>
+        <a:srgbClr val="595959"/>
       </a:dk2>
       <a:lt2>
-        <a:srgbClr val="F3F3F3"/>
+        <a:srgbClr val="EEEEEE"/>
       </a:lt2>
       <a:accent1>
-        <a:srgbClr val="058DC7"/>
+        <a:srgbClr val="4285F4"/>
       </a:accent1>
       <a:accent2>
-        <a:srgbClr val="50B432"/>
+        <a:srgbClr val="212121"/>
       </a:accent2>
       <a:accent3>
-        <a:srgbClr val="ED561B"/>
+        <a:srgbClr val="78909C"/>
       </a:accent3>
       <a:accent4>
-        <a:srgbClr val="EDEF00"/>
+        <a:srgbClr val="FFAB40"/>
       </a:accent4>
       <a:accent5>
-        <a:srgbClr val="24CBE5"/>
+        <a:srgbClr val="0097A7"/>
       </a:accent5>
       <a:accent6>
-        <a:srgbClr val="64E572"/>
+        <a:srgbClr val="EEFF41"/>
       </a:accent6>
       <a:hlink>
-        <a:srgbClr val="2200CC"/>
+        <a:srgbClr val="0097A7"/>
       </a:hlink>
       <a:folHlink>
-        <a:srgbClr val="551A8B"/>
+        <a:srgbClr val="0097A7"/>
       </a:folHlink>
     </a:clrScheme>
     <a:fontScheme name="Office">

--- a/Day_1/Lectures/Day_1_Lecture_1_Introduction_to_Artificial_Intelligence_and_Machine_Learning.pptx
+++ b/Day_1/Lectures/Day_1_Lecture_1_Introduction_to_Artificial_Intelligence_and_Machine_Learning.pptx
@@ -30597,9 +30597,9 @@
 </file>
 
 <file path=ppt/theme/theme1.xml><?xml version="1.0" encoding="utf-8"?>
-<a:theme xmlns:a="http://schemas.openxmlformats.org/drawingml/2006/main" xmlns:r="http://schemas.openxmlformats.org/officeDocument/2006/relationships">
+<a:theme xmlns:a="http://schemas.openxmlformats.org/drawingml/2006/main" xmlns:r="http://schemas.openxmlformats.org/officeDocument/2006/relationships" name="Simple Light">
   <a:themeElements>
-    <a:clrScheme name="Default">
+    <a:clrScheme name="Simple Light">
       <a:dk1>
         <a:srgbClr val="000000"/>
       </a:dk1>
@@ -30607,34 +30607,34 @@
         <a:srgbClr val="FFFFFF"/>
       </a:lt1>
       <a:dk2>
-        <a:srgbClr val="158158"/>
+        <a:srgbClr val="595959"/>
       </a:dk2>
       <a:lt2>
-        <a:srgbClr val="F3F3F3"/>
+        <a:srgbClr val="EEEEEE"/>
       </a:lt2>
       <a:accent1>
-        <a:srgbClr val="058DC7"/>
+        <a:srgbClr val="4285F4"/>
       </a:accent1>
       <a:accent2>
-        <a:srgbClr val="50B432"/>
+        <a:srgbClr val="212121"/>
       </a:accent2>
       <a:accent3>
-        <a:srgbClr val="ED561B"/>
+        <a:srgbClr val="78909C"/>
       </a:accent3>
       <a:accent4>
-        <a:srgbClr val="EDEF00"/>
+        <a:srgbClr val="FFAB40"/>
       </a:accent4>
       <a:accent5>
-        <a:srgbClr val="24CBE5"/>
+        <a:srgbClr val="0097A7"/>
       </a:accent5>
       <a:accent6>
-        <a:srgbClr val="64E572"/>
+        <a:srgbClr val="EEFF41"/>
       </a:accent6>
       <a:hlink>
-        <a:srgbClr val="2200CC"/>
+        <a:srgbClr val="0097A7"/>
       </a:hlink>
       <a:folHlink>
-        <a:srgbClr val="551A8B"/>
+        <a:srgbClr val="0097A7"/>
       </a:folHlink>
     </a:clrScheme>
     <a:fontScheme name="Office">
@@ -31155,9 +31155,9 @@
 </file>
 
 <file path=ppt/theme/theme3.xml><?xml version="1.0" encoding="utf-8"?>
-<a:theme xmlns:a="http://schemas.openxmlformats.org/drawingml/2006/main" xmlns:r="http://schemas.openxmlformats.org/officeDocument/2006/relationships" name="Simple Light">
+<a:theme xmlns:a="http://schemas.openxmlformats.org/drawingml/2006/main" xmlns:r="http://schemas.openxmlformats.org/officeDocument/2006/relationships">
   <a:themeElements>
-    <a:clrScheme name="Simple Light">
+    <a:clrScheme name="Default">
       <a:dk1>
         <a:srgbClr val="000000"/>
       </a:dk1>
@@ -31165,34 +31165,34 @@
         <a:srgbClr val="FFFFFF"/>
       </a:lt1>
       <a:dk2>
-        <a:srgbClr val="595959"/>
+        <a:srgbClr val="158158"/>
       </a:dk2>
       <a:lt2>
-        <a:srgbClr val="EEEEEE"/>
+        <a:srgbClr val="F3F3F3"/>
       </a:lt2>
       <a:accent1>
-        <a:srgbClr val="4285F4"/>
+        <a:srgbClr val="058DC7"/>
       </a:accent1>
       <a:accent2>
-        <a:srgbClr val="212121"/>
+        <a:srgbClr val="50B432"/>
       </a:accent2>
       <a:accent3>
-        <a:srgbClr val="78909C"/>
+        <a:srgbClr val="ED561B"/>
       </a:accent3>
       <a:accent4>
-        <a:srgbClr val="FFAB40"/>
+        <a:srgbClr val="EDEF00"/>
       </a:accent4>
       <a:accent5>
-        <a:srgbClr val="0097A7"/>
+        <a:srgbClr val="24CBE5"/>
       </a:accent5>
       <a:accent6>
-        <a:srgbClr val="EEFF41"/>
+        <a:srgbClr val="64E572"/>
       </a:accent6>
       <a:hlink>
-        <a:srgbClr val="0097A7"/>
+        <a:srgbClr val="2200CC"/>
       </a:hlink>
       <a:folHlink>
-        <a:srgbClr val="0097A7"/>
+        <a:srgbClr val="551A8B"/>
       </a:folHlink>
     </a:clrScheme>
     <a:fontScheme name="Office">

--- a/Day_1/Lectures/Day_1_Lecture_1_Introduction_to_Artificial_Intelligence_and_Machine_Learning.pptx
+++ b/Day_1/Lectures/Day_1_Lecture_1_Introduction_to_Artificial_Intelligence_and_Machine_Learning.pptx
@@ -2386,7 +2386,7 @@
       </p:grpSpPr>
       <p:sp>
         <p:nvSpPr>
-          <p:cNvPr id="343" name="Google Shape;343;g113df51eb4f_0_59:notes"/>
+          <p:cNvPr id="343" name="Google Shape;343;g113df51eb4f_0_50:notes"/>
           <p:cNvSpPr/>
           <p:nvPr>
             <p:ph idx="2" type="sldImg"/>
@@ -2421,7 +2421,7 @@
       </p:sp>
       <p:sp>
         <p:nvSpPr>
-          <p:cNvPr id="344" name="Google Shape;344;g113df51eb4f_0_59:notes"/>
+          <p:cNvPr id="344" name="Google Shape;344;g113df51eb4f_0_50:notes"/>
           <p:cNvSpPr txBox="1"/>
           <p:nvPr>
             <p:ph idx="1" type="body"/>
@@ -2452,12 +2452,7 @@
               <a:buNone/>
             </a:pPr>
             <a:r>
-              <a:rPr lang="en"/>
-              <a:t>Figure legend from article: </a:t>
-            </a:r>
-            <a:r>
-              <a:rPr lang="en"/>
-              <a:t>A recurrent neural network (RNN) processes each part of a sequential input using the same learned parameters, giving an output and an updated hidden state for every input. The hidden state is used to carry information about the preceding parts of the sequence. In this case the probability of transcription factor binding is predicted for each base in a DNA sequence. The RNN is expanded to show how each output is generated using the same layers; this should not be confused with using different layers for each output.</a:t>
+              <a:t/>
             </a:r>
             <a:endParaRPr/>
           </a:p>
@@ -2476,7 +2471,7 @@
   <p:cSld>
     <p:spTree>
       <p:nvGrpSpPr>
-        <p:cNvPr id="353" name="Shape 353"/>
+        <p:cNvPr id="354" name="Shape 354"/>
         <p:cNvGrpSpPr/>
         <p:nvPr/>
       </p:nvGrpSpPr>
@@ -2490,7 +2485,7 @@
       </p:grpSpPr>
       <p:sp>
         <p:nvSpPr>
-          <p:cNvPr id="354" name="Google Shape;354;g113df51eb4f_0_50:notes"/>
+          <p:cNvPr id="355" name="Google Shape;355;g113df51eb4f_0_59:notes"/>
           <p:cNvSpPr/>
           <p:nvPr>
             <p:ph idx="2" type="sldImg"/>
@@ -2525,7 +2520,7 @@
       </p:sp>
       <p:sp>
         <p:nvSpPr>
-          <p:cNvPr id="355" name="Google Shape;355;g113df51eb4f_0_50:notes"/>
+          <p:cNvPr id="356" name="Google Shape;356;g113df51eb4f_0_59:notes"/>
           <p:cNvSpPr txBox="1"/>
           <p:nvPr>
             <p:ph idx="1" type="body"/>
@@ -2556,7 +2551,12 @@
               <a:buNone/>
             </a:pPr>
             <a:r>
-              <a:t/>
+              <a:rPr lang="en"/>
+              <a:t>Figure legend from article: </a:t>
+            </a:r>
+            <a:r>
+              <a:rPr lang="en"/>
+              <a:t>A recurrent neural network (RNN) processes each part of a sequential input using the same learned parameters, giving an output and an updated hidden state for every input. The hidden state is used to carry information about the preceding parts of the sequence. In this case the probability of transcription factor binding is predicted for each base in a DNA sequence. The RNN is expanded to show how each output is generated using the same layers; this should not be confused with using different layers for each output.</a:t>
             </a:r>
             <a:endParaRPr/>
           </a:p>
@@ -18525,7 +18525,7 @@
                 <a:cs typeface="Roboto"/>
                 <a:sym typeface="Roboto"/>
               </a:rPr>
-              <a:t>The model is trained presenting data in </a:t>
+              <a:t>The model is trained with data in </a:t>
             </a:r>
             <a:r>
               <a:rPr lang="en" sz="1300">
@@ -20972,7 +20972,7 @@
                 <a:cs typeface="Roboto"/>
                 <a:sym typeface="Roboto"/>
               </a:rPr>
-              <a:t>The mathematical function or in more general terms that measure the amount of ‘disagreement’ between the obtained and ideal outputs in ML. </a:t>
+              <a:t>The mathematical functions that measure the amount of ‘disagreement’ between the obtained and ideal outputs in ML. </a:t>
             </a:r>
             <a:endParaRPr sz="1800">
               <a:latin typeface="Roboto"/>
@@ -22305,8 +22305,8 @@
         </p:blipFill>
         <p:spPr>
           <a:xfrm>
-            <a:off x="4742451" y="1934000"/>
-            <a:ext cx="3433825" cy="2379875"/>
+            <a:off x="0" y="4710300"/>
+            <a:ext cx="9144000" cy="433200"/>
           </a:xfrm>
           <a:prstGeom prst="rect">
             <a:avLst/>
@@ -22317,37 +22317,9 @@
           </a:ln>
         </p:spPr>
       </p:pic>
-      <p:pic>
-        <p:nvPicPr>
-          <p:cNvPr id="347" name="Google Shape;347;p45"/>
-          <p:cNvPicPr preferRelativeResize="0"/>
-          <p:nvPr/>
-        </p:nvPicPr>
-        <p:blipFill>
-          <a:blip r:embed="rId4">
-            <a:alphaModFix/>
-          </a:blip>
-          <a:stretch>
-            <a:fillRect/>
-          </a:stretch>
-        </p:blipFill>
-        <p:spPr>
-          <a:xfrm>
-            <a:off x="0" y="4710300"/>
-            <a:ext cx="9144000" cy="433200"/>
-          </a:xfrm>
-          <a:prstGeom prst="rect">
-            <a:avLst/>
-          </a:prstGeom>
-          <a:noFill/>
-          <a:ln>
-            <a:noFill/>
-          </a:ln>
-        </p:spPr>
-      </p:pic>
       <p:sp>
         <p:nvSpPr>
-          <p:cNvPr id="348" name="Google Shape;348;p45"/>
+          <p:cNvPr id="347" name="Google Shape;347;p45"/>
           <p:cNvSpPr txBox="1"/>
           <p:nvPr>
             <p:ph type="title"/>
@@ -22356,7 +22328,7 @@
         <p:spPr>
           <a:xfrm>
             <a:off x="311700" y="174300"/>
-            <a:ext cx="8520600" cy="616200"/>
+            <a:ext cx="8520600" cy="660600"/>
           </a:xfrm>
           <a:prstGeom prst="rect">
             <a:avLst/>
@@ -22383,7 +22355,7 @@
                   <a:schemeClr val="accent1"/>
                 </a:solidFill>
               </a:rPr>
-              <a:t>Inductive Bias</a:t>
+              <a:t>Overfitting and Underfitting</a:t>
             </a:r>
             <a:endParaRPr>
               <a:solidFill>
@@ -22395,7 +22367,7 @@
       </p:sp>
       <p:sp>
         <p:nvSpPr>
-          <p:cNvPr id="349" name="Google Shape;349;p45"/>
+          <p:cNvPr id="348" name="Google Shape;348;p45"/>
           <p:cNvSpPr txBox="1"/>
           <p:nvPr>
             <p:ph idx="12" type="sldNum"/>
@@ -22451,14 +22423,14 @@
       </p:sp>
       <p:sp>
         <p:nvSpPr>
-          <p:cNvPr id="350" name="Google Shape;350;p45"/>
+          <p:cNvPr id="349" name="Google Shape;349;p45"/>
           <p:cNvSpPr txBox="1"/>
           <p:nvPr/>
         </p:nvSpPr>
         <p:spPr>
           <a:xfrm>
-            <a:off x="311700" y="790500"/>
-            <a:ext cx="8272200" cy="1359600"/>
+            <a:off x="608250" y="777575"/>
+            <a:ext cx="8412900" cy="2031900"/>
           </a:xfrm>
           <a:prstGeom prst="rect">
             <a:avLst/>
@@ -22474,36 +22446,36 @@
           </a:bodyPr>
           <a:lstStyle/>
           <a:p>
-            <a:pPr indent="-336550" lvl="0" marL="457200" rtl="0" algn="l">
-              <a:spcBef>
-                <a:spcPts val="0"/>
-              </a:spcBef>
-              <a:spcAft>
-                <a:spcPts val="0"/>
-              </a:spcAft>
-              <a:buSzPts val="1700"/>
+            <a:pPr indent="-323850" lvl="0" marL="457200" rtl="0" algn="l">
+              <a:spcBef>
+                <a:spcPts val="0"/>
+              </a:spcBef>
+              <a:spcAft>
+                <a:spcPts val="0"/>
+              </a:spcAft>
+              <a:buSzPts val="1500"/>
               <a:buFont typeface="Roboto"/>
               <a:buChar char="●"/>
             </a:pPr>
             <a:r>
-              <a:rPr lang="en" sz="1700">
+              <a:rPr b="1" lang="en" sz="1500">
                 <a:latin typeface="Roboto"/>
                 <a:ea typeface="Roboto"/>
                 <a:cs typeface="Roboto"/>
                 <a:sym typeface="Roboto"/>
               </a:rPr>
-              <a:t>T</a:t>
-            </a:r>
-            <a:r>
-              <a:rPr lang="en" sz="1700">
+              <a:t>Overfitting</a:t>
+            </a:r>
+            <a:r>
+              <a:rPr lang="en" sz="1500">
                 <a:latin typeface="Roboto"/>
                 <a:ea typeface="Roboto"/>
                 <a:cs typeface="Roboto"/>
                 <a:sym typeface="Roboto"/>
               </a:rPr>
-              <a:t>he set of assumptions made in the learning algorithm that leads it to favor a particular solution to a learning problem over others. </a:t>
-            </a:r>
-            <a:endParaRPr sz="1700">
+              <a:t>:</a:t>
+            </a:r>
+            <a:endParaRPr sz="1500">
               <a:latin typeface="Roboto"/>
               <a:ea typeface="Roboto"/>
               <a:cs typeface="Roboto"/>
@@ -22511,45 +22483,195 @@
             </a:endParaRPr>
           </a:p>
           <a:p>
-            <a:pPr indent="-336550" lvl="0" marL="457200" rtl="0" algn="l">
-              <a:spcBef>
-                <a:spcPts val="1000"/>
-              </a:spcBef>
-              <a:spcAft>
-                <a:spcPts val="1000"/>
-              </a:spcAft>
-              <a:buSzPts val="1700"/>
+            <a:pPr indent="-323850" lvl="1" marL="914400" rtl="0" algn="l">
+              <a:spcBef>
+                <a:spcPts val="0"/>
+              </a:spcBef>
+              <a:spcAft>
+                <a:spcPts val="0"/>
+              </a:spcAft>
+              <a:buSzPts val="1500"/>
               <a:buFont typeface="Roboto"/>
-              <a:buChar char="●"/>
-            </a:pPr>
-            <a:r>
-              <a:rPr lang="en" sz="1700">
+              <a:buChar char="○"/>
+            </a:pPr>
+            <a:r>
+              <a:rPr lang="en" sz="1500">
                 <a:latin typeface="Roboto"/>
                 <a:ea typeface="Roboto"/>
                 <a:cs typeface="Roboto"/>
                 <a:sym typeface="Roboto"/>
               </a:rPr>
-              <a:t>Often programmed into the model using its specific mathematical form and/or by using a particular loss function.</a:t>
-            </a:r>
-            <a:endParaRPr sz="1700">
+              <a:t>L</a:t>
+            </a:r>
+            <a:r>
+              <a:rPr lang="en" sz="1500">
+                <a:latin typeface="Roboto"/>
+                <a:ea typeface="Roboto"/>
+                <a:cs typeface="Roboto"/>
+                <a:sym typeface="Roboto"/>
+              </a:rPr>
+              <a:t>earning the noise in the training data </a:t>
+            </a:r>
+            <a:endParaRPr sz="1500">
               <a:latin typeface="Roboto"/>
               <a:ea typeface="Roboto"/>
               <a:cs typeface="Roboto"/>
               <a:sym typeface="Roboto"/>
             </a:endParaRPr>
           </a:p>
+          <a:p>
+            <a:pPr indent="-323850" lvl="1" marL="914400" rtl="0" algn="l">
+              <a:spcBef>
+                <a:spcPts val="0"/>
+              </a:spcBef>
+              <a:spcAft>
+                <a:spcPts val="0"/>
+              </a:spcAft>
+              <a:buSzPts val="1500"/>
+              <a:buFont typeface="Roboto"/>
+              <a:buChar char="○"/>
+            </a:pPr>
+            <a:r>
+              <a:rPr lang="en" sz="1500">
+                <a:latin typeface="Roboto"/>
+                <a:ea typeface="Roboto"/>
+                <a:cs typeface="Roboto"/>
+                <a:sym typeface="Roboto"/>
+              </a:rPr>
+              <a:t>Can be caused by using a model with too many parameters or by continuing training after it has learned the true relationship between the variables</a:t>
+            </a:r>
+            <a:endParaRPr sz="1500">
+              <a:latin typeface="Roboto"/>
+              <a:ea typeface="Roboto"/>
+              <a:cs typeface="Roboto"/>
+              <a:sym typeface="Roboto"/>
+            </a:endParaRPr>
+          </a:p>
+          <a:p>
+            <a:pPr indent="0" lvl="0" marL="914400" rtl="0" algn="l">
+              <a:spcBef>
+                <a:spcPts val="0"/>
+              </a:spcBef>
+              <a:spcAft>
+                <a:spcPts val="0"/>
+              </a:spcAft>
+              <a:buNone/>
+            </a:pPr>
+            <a:r>
+              <a:t/>
+            </a:r>
+            <a:endParaRPr sz="1500">
+              <a:latin typeface="Roboto"/>
+              <a:ea typeface="Roboto"/>
+              <a:cs typeface="Roboto"/>
+              <a:sym typeface="Roboto"/>
+            </a:endParaRPr>
+          </a:p>
+          <a:p>
+            <a:pPr indent="-323850" lvl="0" marL="457200" rtl="0" algn="l">
+              <a:spcBef>
+                <a:spcPts val="0"/>
+              </a:spcBef>
+              <a:spcAft>
+                <a:spcPts val="0"/>
+              </a:spcAft>
+              <a:buSzPts val="1500"/>
+              <a:buFont typeface="Roboto"/>
+              <a:buChar char="●"/>
+            </a:pPr>
+            <a:r>
+              <a:rPr b="1" lang="en" sz="1500">
+                <a:latin typeface="Roboto"/>
+                <a:ea typeface="Roboto"/>
+                <a:cs typeface="Roboto"/>
+                <a:sym typeface="Roboto"/>
+              </a:rPr>
+              <a:t>Underfitting</a:t>
+            </a:r>
+            <a:r>
+              <a:rPr lang="en" sz="1500">
+                <a:latin typeface="Roboto"/>
+                <a:ea typeface="Roboto"/>
+                <a:cs typeface="Roboto"/>
+                <a:sym typeface="Roboto"/>
+              </a:rPr>
+              <a:t>:</a:t>
+            </a:r>
+            <a:endParaRPr sz="1500">
+              <a:latin typeface="Roboto"/>
+              <a:ea typeface="Roboto"/>
+              <a:cs typeface="Roboto"/>
+              <a:sym typeface="Roboto"/>
+            </a:endParaRPr>
+          </a:p>
+          <a:p>
+            <a:pPr indent="-323850" lvl="1" marL="914400" rtl="0" algn="l">
+              <a:spcBef>
+                <a:spcPts val="0"/>
+              </a:spcBef>
+              <a:spcAft>
+                <a:spcPts val="0"/>
+              </a:spcAft>
+              <a:buSzPts val="1500"/>
+              <a:buFont typeface="Roboto"/>
+              <a:buChar char="○"/>
+            </a:pPr>
+            <a:r>
+              <a:rPr lang="en" sz="1500">
+                <a:latin typeface="Roboto"/>
+                <a:ea typeface="Roboto"/>
+                <a:cs typeface="Roboto"/>
+                <a:sym typeface="Roboto"/>
+              </a:rPr>
+              <a:t>Failing to learn the underlying relationship between the variables</a:t>
+            </a:r>
+            <a:endParaRPr sz="1500">
+              <a:latin typeface="Roboto"/>
+              <a:ea typeface="Roboto"/>
+              <a:cs typeface="Roboto"/>
+              <a:sym typeface="Roboto"/>
+            </a:endParaRPr>
+          </a:p>
+          <a:p>
+            <a:pPr indent="-323850" lvl="1" marL="914400" rtl="0" algn="l">
+              <a:spcBef>
+                <a:spcPts val="0"/>
+              </a:spcBef>
+              <a:spcAft>
+                <a:spcPts val="0"/>
+              </a:spcAft>
+              <a:buSzPts val="1500"/>
+              <a:buFont typeface="Roboto"/>
+              <a:buChar char="○"/>
+            </a:pPr>
+            <a:r>
+              <a:rPr lang="en" sz="1500">
+                <a:latin typeface="Roboto"/>
+                <a:ea typeface="Roboto"/>
+                <a:cs typeface="Roboto"/>
+                <a:sym typeface="Roboto"/>
+              </a:rPr>
+              <a:t>Can be caused by using a model without sufficient complexity to learn the signal </a:t>
+            </a:r>
+            <a:endParaRPr sz="1500">
+              <a:latin typeface="Roboto"/>
+              <a:ea typeface="Roboto"/>
+              <a:cs typeface="Roboto"/>
+              <a:sym typeface="Roboto"/>
+            </a:endParaRPr>
+          </a:p>
         </p:txBody>
       </p:sp>
       <p:sp>
         <p:nvSpPr>
-          <p:cNvPr id="351" name="Google Shape;351;p45"/>
+          <p:cNvPr id="350" name="Google Shape;350;p45"/>
           <p:cNvSpPr txBox="1"/>
           <p:nvPr/>
         </p:nvSpPr>
         <p:spPr>
           <a:xfrm>
-            <a:off x="6299603" y="4360800"/>
-            <a:ext cx="2532600" cy="369300"/>
+            <a:off x="3154978" y="4309550"/>
+            <a:ext cx="2433600" cy="400200"/>
           </a:xfrm>
           <a:prstGeom prst="rect">
             <a:avLst/>
@@ -22575,535 +22697,6 @@
               <a:buNone/>
             </a:pPr>
             <a:r>
-              <a:rPr lang="en" sz="1200">
-                <a:latin typeface="Roboto"/>
-                <a:ea typeface="Roboto"/>
-                <a:cs typeface="Roboto"/>
-                <a:sym typeface="Roboto"/>
-              </a:rPr>
-              <a:t>(source: Greener et al. 2022)</a:t>
-            </a:r>
-            <a:endParaRPr sz="1200">
-              <a:latin typeface="Roboto"/>
-              <a:ea typeface="Roboto"/>
-              <a:cs typeface="Roboto"/>
-              <a:sym typeface="Roboto"/>
-            </a:endParaRPr>
-          </a:p>
-        </p:txBody>
-      </p:sp>
-      <p:sp>
-        <p:nvSpPr>
-          <p:cNvPr id="352" name="Google Shape;352;p45"/>
-          <p:cNvSpPr txBox="1"/>
-          <p:nvPr/>
-        </p:nvSpPr>
-        <p:spPr>
-          <a:xfrm>
-            <a:off x="311700" y="2150100"/>
-            <a:ext cx="4221600" cy="2277900"/>
-          </a:xfrm>
-          <a:prstGeom prst="rect">
-            <a:avLst/>
-          </a:prstGeom>
-          <a:noFill/>
-          <a:ln>
-            <a:noFill/>
-          </a:ln>
-        </p:spPr>
-        <p:txBody>
-          <a:bodyPr anchorCtr="0" anchor="t" bIns="91425" lIns="91425" spcFirstLastPara="1" rIns="91425" wrap="square" tIns="91425">
-            <a:spAutoFit/>
-          </a:bodyPr>
-          <a:lstStyle/>
-          <a:p>
-            <a:pPr indent="-336550" lvl="0" marL="457200" rtl="0" algn="l">
-              <a:spcBef>
-                <a:spcPts val="0"/>
-              </a:spcBef>
-              <a:spcAft>
-                <a:spcPts val="1000"/>
-              </a:spcAft>
-              <a:buClr>
-                <a:schemeClr val="dk1"/>
-              </a:buClr>
-              <a:buSzPts val="1700"/>
-              <a:buFont typeface="Roboto"/>
-              <a:buChar char="●"/>
-            </a:pPr>
-            <a:r>
-              <a:rPr lang="en" sz="1700">
-                <a:solidFill>
-                  <a:schemeClr val="dk1"/>
-                </a:solidFill>
-                <a:latin typeface="Roboto"/>
-                <a:ea typeface="Roboto"/>
-                <a:cs typeface="Roboto"/>
-                <a:sym typeface="Roboto"/>
-              </a:rPr>
-              <a:t>For example, the inductive bias of recurrent neural networks (RNNs) is that there are sequential dependencies in the input data </a:t>
-            </a:r>
-            <a:r>
-              <a:rPr lang="en" sz="1700">
-                <a:solidFill>
-                  <a:schemeClr val="dk1"/>
-                </a:solidFill>
-                <a:latin typeface="Roboto"/>
-                <a:ea typeface="Roboto"/>
-                <a:cs typeface="Roboto"/>
-                <a:sym typeface="Roboto"/>
-              </a:rPr>
-              <a:t>such as a DNA sequence. </a:t>
-            </a:r>
-            <a:r>
-              <a:rPr lang="en" sz="1700">
-                <a:solidFill>
-                  <a:schemeClr val="dk1"/>
-                </a:solidFill>
-                <a:latin typeface="Roboto"/>
-                <a:ea typeface="Roboto"/>
-                <a:cs typeface="Roboto"/>
-                <a:sym typeface="Roboto"/>
-              </a:rPr>
-              <a:t>This dependence is explicitly accounted for in the mathematical form of an RNN.</a:t>
-            </a:r>
-            <a:endParaRPr/>
-          </a:p>
-        </p:txBody>
-      </p:sp>
-    </p:spTree>
-  </p:cSld>
-  <p:clrMapOvr>
-    <a:masterClrMapping/>
-  </p:clrMapOvr>
-</p:sld>
-</file>
-
-<file path=ppt/slides/slide22.xml><?xml version="1.0" encoding="utf-8"?>
-<p:sld xmlns:a="http://schemas.openxmlformats.org/drawingml/2006/main" xmlns:r="http://schemas.openxmlformats.org/officeDocument/2006/relationships" xmlns:mc="http://schemas.openxmlformats.org/markup-compatibility/2006" xmlns:mv="urn:schemas-microsoft-com:mac:vml" xmlns:p="http://schemas.openxmlformats.org/presentationml/2006/main" xmlns:c="http://schemas.openxmlformats.org/drawingml/2006/chart" xmlns:dgm="http://schemas.openxmlformats.org/drawingml/2006/diagram" xmlns:o="urn:schemas-microsoft-com:office:office" xmlns:v="urn:schemas-microsoft-com:vml" xmlns:pvml="urn:schemas-microsoft-com:office:powerpoint" xmlns:com="http://schemas.openxmlformats.org/drawingml/2006/compatibility" xmlns:p14="http://schemas.microsoft.com/office/powerpoint/2010/main" xmlns:p15="http://schemas.microsoft.com/office/powerpoint/2012/main" xmlns:ahyp="http://schemas.microsoft.com/office/drawing/2018/hyperlinkcolor">
-  <p:cSld>
-    <p:spTree>
-      <p:nvGrpSpPr>
-        <p:cNvPr id="356" name="Shape 356"/>
-        <p:cNvGrpSpPr/>
-        <p:nvPr/>
-      </p:nvGrpSpPr>
-      <p:grpSpPr>
-        <a:xfrm>
-          <a:off x="0" y="0"/>
-          <a:ext cx="0" cy="0"/>
-          <a:chOff x="0" y="0"/>
-          <a:chExt cx="0" cy="0"/>
-        </a:xfrm>
-      </p:grpSpPr>
-      <p:pic>
-        <p:nvPicPr>
-          <p:cNvPr id="357" name="Google Shape;357;p46"/>
-          <p:cNvPicPr preferRelativeResize="0"/>
-          <p:nvPr/>
-        </p:nvPicPr>
-        <p:blipFill>
-          <a:blip r:embed="rId3">
-            <a:alphaModFix/>
-          </a:blip>
-          <a:stretch>
-            <a:fillRect/>
-          </a:stretch>
-        </p:blipFill>
-        <p:spPr>
-          <a:xfrm>
-            <a:off x="0" y="4710300"/>
-            <a:ext cx="9144000" cy="433200"/>
-          </a:xfrm>
-          <a:prstGeom prst="rect">
-            <a:avLst/>
-          </a:prstGeom>
-          <a:noFill/>
-          <a:ln>
-            <a:noFill/>
-          </a:ln>
-        </p:spPr>
-      </p:pic>
-      <p:sp>
-        <p:nvSpPr>
-          <p:cNvPr id="358" name="Google Shape;358;p46"/>
-          <p:cNvSpPr txBox="1"/>
-          <p:nvPr>
-            <p:ph type="title"/>
-          </p:nvPr>
-        </p:nvSpPr>
-        <p:spPr>
-          <a:xfrm>
-            <a:off x="311700" y="174300"/>
-            <a:ext cx="8520600" cy="660600"/>
-          </a:xfrm>
-          <a:prstGeom prst="rect">
-            <a:avLst/>
-          </a:prstGeom>
-        </p:spPr>
-        <p:txBody>
-          <a:bodyPr anchorCtr="0" anchor="t" bIns="91425" lIns="91425" spcFirstLastPara="1" rIns="91425" wrap="square" tIns="91425">
-            <a:normAutofit/>
-          </a:bodyPr>
-          <a:lstStyle/>
-          <a:p>
-            <a:pPr indent="0" lvl="0" marL="0" rtl="0" algn="ctr">
-              <a:spcBef>
-                <a:spcPts val="0"/>
-              </a:spcBef>
-              <a:spcAft>
-                <a:spcPts val="0"/>
-              </a:spcAft>
-              <a:buNone/>
-            </a:pPr>
-            <a:r>
-              <a:rPr lang="en">
-                <a:solidFill>
-                  <a:schemeClr val="accent1"/>
-                </a:solidFill>
-              </a:rPr>
-              <a:t>Overfitting and Underfitting</a:t>
-            </a:r>
-            <a:endParaRPr>
-              <a:solidFill>
-                <a:schemeClr val="accent1"/>
-              </a:solidFill>
-            </a:endParaRPr>
-          </a:p>
-        </p:txBody>
-      </p:sp>
-      <p:sp>
-        <p:nvSpPr>
-          <p:cNvPr id="359" name="Google Shape;359;p46"/>
-          <p:cNvSpPr txBox="1"/>
-          <p:nvPr>
-            <p:ph idx="12" type="sldNum"/>
-          </p:nvPr>
-        </p:nvSpPr>
-        <p:spPr>
-          <a:xfrm>
-            <a:off x="8" y="4730092"/>
-            <a:ext cx="548700" cy="393600"/>
-          </a:xfrm>
-          <a:prstGeom prst="rect">
-            <a:avLst/>
-          </a:prstGeom>
-        </p:spPr>
-        <p:txBody>
-          <a:bodyPr anchorCtr="0" anchor="ctr" bIns="91425" lIns="91425" spcFirstLastPara="1" rIns="91425" wrap="square" tIns="91425">
-            <a:normAutofit/>
-          </a:bodyPr>
-          <a:lstStyle/>
-          <a:p>
-            <a:pPr indent="0" lvl="0" marL="0" rtl="0" algn="r">
-              <a:spcBef>
-                <a:spcPts val="0"/>
-              </a:spcBef>
-              <a:spcAft>
-                <a:spcPts val="0"/>
-              </a:spcAft>
-              <a:buNone/>
-            </a:pPr>
-            <a:fld id="{00000000-1234-1234-1234-123412341234}" type="slidenum">
-              <a:rPr lang="en">
-                <a:solidFill>
-                  <a:schemeClr val="lt1"/>
-                </a:solidFill>
-                <a:latin typeface="Arial"/>
-                <a:ea typeface="Arial"/>
-                <a:cs typeface="Arial"/>
-                <a:sym typeface="Arial"/>
-              </a:rPr>
-              <a:t>‹#›</a:t>
-            </a:fld>
-            <a:endParaRPr>
-              <a:solidFill>
-                <a:schemeClr val="lt1"/>
-              </a:solidFill>
-              <a:latin typeface="Arial"/>
-              <a:ea typeface="Arial"/>
-              <a:cs typeface="Arial"/>
-              <a:sym typeface="Arial"/>
-            </a:endParaRPr>
-          </a:p>
-        </p:txBody>
-      </p:sp>
-      <p:sp>
-        <p:nvSpPr>
-          <p:cNvPr id="360" name="Google Shape;360;p46"/>
-          <p:cNvSpPr txBox="1"/>
-          <p:nvPr/>
-        </p:nvSpPr>
-        <p:spPr>
-          <a:xfrm>
-            <a:off x="608250" y="777575"/>
-            <a:ext cx="8412900" cy="2031900"/>
-          </a:xfrm>
-          <a:prstGeom prst="rect">
-            <a:avLst/>
-          </a:prstGeom>
-          <a:noFill/>
-          <a:ln>
-            <a:noFill/>
-          </a:ln>
-        </p:spPr>
-        <p:txBody>
-          <a:bodyPr anchorCtr="0" anchor="t" bIns="91425" lIns="91425" spcFirstLastPara="1" rIns="91425" wrap="square" tIns="91425">
-            <a:spAutoFit/>
-          </a:bodyPr>
-          <a:lstStyle/>
-          <a:p>
-            <a:pPr indent="-323850" lvl="0" marL="457200" rtl="0" algn="l">
-              <a:spcBef>
-                <a:spcPts val="0"/>
-              </a:spcBef>
-              <a:spcAft>
-                <a:spcPts val="0"/>
-              </a:spcAft>
-              <a:buSzPts val="1500"/>
-              <a:buFont typeface="Roboto"/>
-              <a:buChar char="●"/>
-            </a:pPr>
-            <a:r>
-              <a:rPr b="1" lang="en" sz="1500">
-                <a:latin typeface="Roboto"/>
-                <a:ea typeface="Roboto"/>
-                <a:cs typeface="Roboto"/>
-                <a:sym typeface="Roboto"/>
-              </a:rPr>
-              <a:t>Overfitting</a:t>
-            </a:r>
-            <a:r>
-              <a:rPr lang="en" sz="1500">
-                <a:latin typeface="Roboto"/>
-                <a:ea typeface="Roboto"/>
-                <a:cs typeface="Roboto"/>
-                <a:sym typeface="Roboto"/>
-              </a:rPr>
-              <a:t>:</a:t>
-            </a:r>
-            <a:endParaRPr sz="1500">
-              <a:latin typeface="Roboto"/>
-              <a:ea typeface="Roboto"/>
-              <a:cs typeface="Roboto"/>
-              <a:sym typeface="Roboto"/>
-            </a:endParaRPr>
-          </a:p>
-          <a:p>
-            <a:pPr indent="-323850" lvl="1" marL="914400" rtl="0" algn="l">
-              <a:spcBef>
-                <a:spcPts val="0"/>
-              </a:spcBef>
-              <a:spcAft>
-                <a:spcPts val="0"/>
-              </a:spcAft>
-              <a:buSzPts val="1500"/>
-              <a:buFont typeface="Roboto"/>
-              <a:buChar char="○"/>
-            </a:pPr>
-            <a:r>
-              <a:rPr lang="en" sz="1500">
-                <a:latin typeface="Roboto"/>
-                <a:ea typeface="Roboto"/>
-                <a:cs typeface="Roboto"/>
-                <a:sym typeface="Roboto"/>
-              </a:rPr>
-              <a:t>L</a:t>
-            </a:r>
-            <a:r>
-              <a:rPr lang="en" sz="1500">
-                <a:latin typeface="Roboto"/>
-                <a:ea typeface="Roboto"/>
-                <a:cs typeface="Roboto"/>
-                <a:sym typeface="Roboto"/>
-              </a:rPr>
-              <a:t>earning the noise in the training data </a:t>
-            </a:r>
-            <a:endParaRPr sz="1500">
-              <a:latin typeface="Roboto"/>
-              <a:ea typeface="Roboto"/>
-              <a:cs typeface="Roboto"/>
-              <a:sym typeface="Roboto"/>
-            </a:endParaRPr>
-          </a:p>
-          <a:p>
-            <a:pPr indent="-323850" lvl="1" marL="914400" rtl="0" algn="l">
-              <a:spcBef>
-                <a:spcPts val="0"/>
-              </a:spcBef>
-              <a:spcAft>
-                <a:spcPts val="0"/>
-              </a:spcAft>
-              <a:buSzPts val="1500"/>
-              <a:buFont typeface="Roboto"/>
-              <a:buChar char="○"/>
-            </a:pPr>
-            <a:r>
-              <a:rPr lang="en" sz="1500">
-                <a:latin typeface="Roboto"/>
-                <a:ea typeface="Roboto"/>
-                <a:cs typeface="Roboto"/>
-                <a:sym typeface="Roboto"/>
-              </a:rPr>
-              <a:t>Can be caused by using a model with too many parameters or by continuing training after it has learned the true relationship between the variables</a:t>
-            </a:r>
-            <a:endParaRPr sz="1500">
-              <a:latin typeface="Roboto"/>
-              <a:ea typeface="Roboto"/>
-              <a:cs typeface="Roboto"/>
-              <a:sym typeface="Roboto"/>
-            </a:endParaRPr>
-          </a:p>
-          <a:p>
-            <a:pPr indent="0" lvl="0" marL="914400" rtl="0" algn="l">
-              <a:spcBef>
-                <a:spcPts val="0"/>
-              </a:spcBef>
-              <a:spcAft>
-                <a:spcPts val="0"/>
-              </a:spcAft>
-              <a:buNone/>
-            </a:pPr>
-            <a:r>
-              <a:t/>
-            </a:r>
-            <a:endParaRPr sz="1500">
-              <a:latin typeface="Roboto"/>
-              <a:ea typeface="Roboto"/>
-              <a:cs typeface="Roboto"/>
-              <a:sym typeface="Roboto"/>
-            </a:endParaRPr>
-          </a:p>
-          <a:p>
-            <a:pPr indent="-323850" lvl="0" marL="457200" rtl="0" algn="l">
-              <a:spcBef>
-                <a:spcPts val="0"/>
-              </a:spcBef>
-              <a:spcAft>
-                <a:spcPts val="0"/>
-              </a:spcAft>
-              <a:buSzPts val="1500"/>
-              <a:buFont typeface="Roboto"/>
-              <a:buChar char="●"/>
-            </a:pPr>
-            <a:r>
-              <a:rPr b="1" lang="en" sz="1500">
-                <a:latin typeface="Roboto"/>
-                <a:ea typeface="Roboto"/>
-                <a:cs typeface="Roboto"/>
-                <a:sym typeface="Roboto"/>
-              </a:rPr>
-              <a:t>Underfitting</a:t>
-            </a:r>
-            <a:r>
-              <a:rPr lang="en" sz="1500">
-                <a:latin typeface="Roboto"/>
-                <a:ea typeface="Roboto"/>
-                <a:cs typeface="Roboto"/>
-                <a:sym typeface="Roboto"/>
-              </a:rPr>
-              <a:t>:</a:t>
-            </a:r>
-            <a:endParaRPr sz="1500">
-              <a:latin typeface="Roboto"/>
-              <a:ea typeface="Roboto"/>
-              <a:cs typeface="Roboto"/>
-              <a:sym typeface="Roboto"/>
-            </a:endParaRPr>
-          </a:p>
-          <a:p>
-            <a:pPr indent="-323850" lvl="1" marL="914400" rtl="0" algn="l">
-              <a:spcBef>
-                <a:spcPts val="0"/>
-              </a:spcBef>
-              <a:spcAft>
-                <a:spcPts val="0"/>
-              </a:spcAft>
-              <a:buSzPts val="1500"/>
-              <a:buFont typeface="Roboto"/>
-              <a:buChar char="○"/>
-            </a:pPr>
-            <a:r>
-              <a:rPr lang="en" sz="1500">
-                <a:latin typeface="Roboto"/>
-                <a:ea typeface="Roboto"/>
-                <a:cs typeface="Roboto"/>
-                <a:sym typeface="Roboto"/>
-              </a:rPr>
-              <a:t>Failing to learn the underlying relationship between the variables</a:t>
-            </a:r>
-            <a:endParaRPr sz="1500">
-              <a:latin typeface="Roboto"/>
-              <a:ea typeface="Roboto"/>
-              <a:cs typeface="Roboto"/>
-              <a:sym typeface="Roboto"/>
-            </a:endParaRPr>
-          </a:p>
-          <a:p>
-            <a:pPr indent="-323850" lvl="1" marL="914400" rtl="0" algn="l">
-              <a:spcBef>
-                <a:spcPts val="0"/>
-              </a:spcBef>
-              <a:spcAft>
-                <a:spcPts val="0"/>
-              </a:spcAft>
-              <a:buSzPts val="1500"/>
-              <a:buFont typeface="Roboto"/>
-              <a:buChar char="○"/>
-            </a:pPr>
-            <a:r>
-              <a:rPr lang="en" sz="1500">
-                <a:latin typeface="Roboto"/>
-                <a:ea typeface="Roboto"/>
-                <a:cs typeface="Roboto"/>
-                <a:sym typeface="Roboto"/>
-              </a:rPr>
-              <a:t>Can be caused by using a model without sufficient complexity to learn the signal </a:t>
-            </a:r>
-            <a:endParaRPr sz="1500">
-              <a:latin typeface="Roboto"/>
-              <a:ea typeface="Roboto"/>
-              <a:cs typeface="Roboto"/>
-              <a:sym typeface="Roboto"/>
-            </a:endParaRPr>
-          </a:p>
-        </p:txBody>
-      </p:sp>
-      <p:sp>
-        <p:nvSpPr>
-          <p:cNvPr id="361" name="Google Shape;361;p46"/>
-          <p:cNvSpPr txBox="1"/>
-          <p:nvPr/>
-        </p:nvSpPr>
-        <p:spPr>
-          <a:xfrm>
-            <a:off x="3154978" y="4309550"/>
-            <a:ext cx="2433600" cy="400200"/>
-          </a:xfrm>
-          <a:prstGeom prst="rect">
-            <a:avLst/>
-          </a:prstGeom>
-          <a:noFill/>
-          <a:ln>
-            <a:noFill/>
-          </a:ln>
-        </p:spPr>
-        <p:txBody>
-          <a:bodyPr anchorCtr="0" anchor="t" bIns="91425" lIns="91425" spcFirstLastPara="1" rIns="91425" wrap="square" tIns="91425">
-            <a:spAutoFit/>
-          </a:bodyPr>
-          <a:lstStyle/>
-          <a:p>
-            <a:pPr indent="0" lvl="0" marL="0" rtl="0" algn="ctr">
-              <a:spcBef>
-                <a:spcPts val="0"/>
-              </a:spcBef>
-              <a:spcAft>
-                <a:spcPts val="0"/>
-              </a:spcAft>
-              <a:buNone/>
-            </a:pPr>
-            <a:r>
               <a:rPr lang="en">
                 <a:latin typeface="Roboto"/>
                 <a:ea typeface="Roboto"/>
@@ -23123,7 +22716,7 @@
       </p:sp>
       <p:grpSp>
         <p:nvGrpSpPr>
-          <p:cNvPr id="362" name="Google Shape;362;p46"/>
+          <p:cNvPr id="351" name="Google Shape;351;p45"/>
           <p:cNvGrpSpPr/>
           <p:nvPr/>
         </p:nvGrpSpPr>
@@ -23137,7 +22730,7 @@
         </p:grpSpPr>
         <p:pic>
           <p:nvPicPr>
-            <p:cNvPr id="363" name="Google Shape;363;p46"/>
+            <p:cNvPr id="352" name="Google Shape;352;p45"/>
             <p:cNvPicPr preferRelativeResize="0"/>
             <p:nvPr/>
           </p:nvPicPr>
@@ -23165,7 +22758,7 @@
         </p:pic>
         <p:sp>
           <p:nvSpPr>
-            <p:cNvPr id="364" name="Google Shape;364;p46"/>
+            <p:cNvPr id="353" name="Google Shape;353;p45"/>
             <p:cNvSpPr/>
             <p:nvPr/>
           </p:nvSpPr>
@@ -23213,6 +22806,413 @@
           </p:txBody>
         </p:sp>
       </p:grpSp>
+    </p:spTree>
+  </p:cSld>
+  <p:clrMapOvr>
+    <a:masterClrMapping/>
+  </p:clrMapOvr>
+</p:sld>
+</file>
+
+<file path=ppt/slides/slide22.xml><?xml version="1.0" encoding="utf-8"?>
+<p:sld xmlns:a="http://schemas.openxmlformats.org/drawingml/2006/main" xmlns:r="http://schemas.openxmlformats.org/officeDocument/2006/relationships" xmlns:mc="http://schemas.openxmlformats.org/markup-compatibility/2006" xmlns:mv="urn:schemas-microsoft-com:mac:vml" xmlns:p="http://schemas.openxmlformats.org/presentationml/2006/main" xmlns:c="http://schemas.openxmlformats.org/drawingml/2006/chart" xmlns:dgm="http://schemas.openxmlformats.org/drawingml/2006/diagram" xmlns:o="urn:schemas-microsoft-com:office:office" xmlns:v="urn:schemas-microsoft-com:vml" xmlns:pvml="urn:schemas-microsoft-com:office:powerpoint" xmlns:com="http://schemas.openxmlformats.org/drawingml/2006/compatibility" xmlns:p14="http://schemas.microsoft.com/office/powerpoint/2010/main" xmlns:p15="http://schemas.microsoft.com/office/powerpoint/2012/main" xmlns:ahyp="http://schemas.microsoft.com/office/drawing/2018/hyperlinkcolor">
+  <p:cSld>
+    <p:spTree>
+      <p:nvGrpSpPr>
+        <p:cNvPr id="357" name="Shape 357"/>
+        <p:cNvGrpSpPr/>
+        <p:nvPr/>
+      </p:nvGrpSpPr>
+      <p:grpSpPr>
+        <a:xfrm>
+          <a:off x="0" y="0"/>
+          <a:ext cx="0" cy="0"/>
+          <a:chOff x="0" y="0"/>
+          <a:chExt cx="0" cy="0"/>
+        </a:xfrm>
+      </p:grpSpPr>
+      <p:pic>
+        <p:nvPicPr>
+          <p:cNvPr id="358" name="Google Shape;358;p46"/>
+          <p:cNvPicPr preferRelativeResize="0"/>
+          <p:nvPr/>
+        </p:nvPicPr>
+        <p:blipFill>
+          <a:blip r:embed="rId3">
+            <a:alphaModFix/>
+          </a:blip>
+          <a:stretch>
+            <a:fillRect/>
+          </a:stretch>
+        </p:blipFill>
+        <p:spPr>
+          <a:xfrm>
+            <a:off x="4742451" y="1934000"/>
+            <a:ext cx="3433825" cy="2379875"/>
+          </a:xfrm>
+          <a:prstGeom prst="rect">
+            <a:avLst/>
+          </a:prstGeom>
+          <a:noFill/>
+          <a:ln>
+            <a:noFill/>
+          </a:ln>
+        </p:spPr>
+      </p:pic>
+      <p:pic>
+        <p:nvPicPr>
+          <p:cNvPr id="359" name="Google Shape;359;p46"/>
+          <p:cNvPicPr preferRelativeResize="0"/>
+          <p:nvPr/>
+        </p:nvPicPr>
+        <p:blipFill>
+          <a:blip r:embed="rId4">
+            <a:alphaModFix/>
+          </a:blip>
+          <a:stretch>
+            <a:fillRect/>
+          </a:stretch>
+        </p:blipFill>
+        <p:spPr>
+          <a:xfrm>
+            <a:off x="0" y="4710300"/>
+            <a:ext cx="9144000" cy="433200"/>
+          </a:xfrm>
+          <a:prstGeom prst="rect">
+            <a:avLst/>
+          </a:prstGeom>
+          <a:noFill/>
+          <a:ln>
+            <a:noFill/>
+          </a:ln>
+        </p:spPr>
+      </p:pic>
+      <p:sp>
+        <p:nvSpPr>
+          <p:cNvPr id="360" name="Google Shape;360;p46"/>
+          <p:cNvSpPr txBox="1"/>
+          <p:nvPr>
+            <p:ph type="title"/>
+          </p:nvPr>
+        </p:nvSpPr>
+        <p:spPr>
+          <a:xfrm>
+            <a:off x="311700" y="174300"/>
+            <a:ext cx="8520600" cy="616200"/>
+          </a:xfrm>
+          <a:prstGeom prst="rect">
+            <a:avLst/>
+          </a:prstGeom>
+        </p:spPr>
+        <p:txBody>
+          <a:bodyPr anchorCtr="0" anchor="t" bIns="91425" lIns="91425" spcFirstLastPara="1" rIns="91425" wrap="square" tIns="91425">
+            <a:normAutofit/>
+          </a:bodyPr>
+          <a:lstStyle/>
+          <a:p>
+            <a:pPr indent="0" lvl="0" marL="0" rtl="0" algn="ctr">
+              <a:spcBef>
+                <a:spcPts val="0"/>
+              </a:spcBef>
+              <a:spcAft>
+                <a:spcPts val="0"/>
+              </a:spcAft>
+              <a:buNone/>
+            </a:pPr>
+            <a:r>
+              <a:rPr lang="en">
+                <a:solidFill>
+                  <a:schemeClr val="accent1"/>
+                </a:solidFill>
+              </a:rPr>
+              <a:t>Inductive Bias</a:t>
+            </a:r>
+            <a:endParaRPr>
+              <a:solidFill>
+                <a:schemeClr val="accent1"/>
+              </a:solidFill>
+            </a:endParaRPr>
+          </a:p>
+        </p:txBody>
+      </p:sp>
+      <p:sp>
+        <p:nvSpPr>
+          <p:cNvPr id="361" name="Google Shape;361;p46"/>
+          <p:cNvSpPr txBox="1"/>
+          <p:nvPr>
+            <p:ph idx="12" type="sldNum"/>
+          </p:nvPr>
+        </p:nvSpPr>
+        <p:spPr>
+          <a:xfrm>
+            <a:off x="8" y="4730092"/>
+            <a:ext cx="548700" cy="393600"/>
+          </a:xfrm>
+          <a:prstGeom prst="rect">
+            <a:avLst/>
+          </a:prstGeom>
+        </p:spPr>
+        <p:txBody>
+          <a:bodyPr anchorCtr="0" anchor="ctr" bIns="91425" lIns="91425" spcFirstLastPara="1" rIns="91425" wrap="square" tIns="91425">
+            <a:normAutofit/>
+          </a:bodyPr>
+          <a:lstStyle/>
+          <a:p>
+            <a:pPr indent="0" lvl="0" marL="0" rtl="0" algn="r">
+              <a:spcBef>
+                <a:spcPts val="0"/>
+              </a:spcBef>
+              <a:spcAft>
+                <a:spcPts val="0"/>
+              </a:spcAft>
+              <a:buNone/>
+            </a:pPr>
+            <a:fld id="{00000000-1234-1234-1234-123412341234}" type="slidenum">
+              <a:rPr lang="en">
+                <a:solidFill>
+                  <a:schemeClr val="lt1"/>
+                </a:solidFill>
+                <a:latin typeface="Arial"/>
+                <a:ea typeface="Arial"/>
+                <a:cs typeface="Arial"/>
+                <a:sym typeface="Arial"/>
+              </a:rPr>
+              <a:t>‹#›</a:t>
+            </a:fld>
+            <a:endParaRPr>
+              <a:solidFill>
+                <a:schemeClr val="lt1"/>
+              </a:solidFill>
+              <a:latin typeface="Arial"/>
+              <a:ea typeface="Arial"/>
+              <a:cs typeface="Arial"/>
+              <a:sym typeface="Arial"/>
+            </a:endParaRPr>
+          </a:p>
+        </p:txBody>
+      </p:sp>
+      <p:sp>
+        <p:nvSpPr>
+          <p:cNvPr id="362" name="Google Shape;362;p46"/>
+          <p:cNvSpPr txBox="1"/>
+          <p:nvPr/>
+        </p:nvSpPr>
+        <p:spPr>
+          <a:xfrm>
+            <a:off x="311700" y="790500"/>
+            <a:ext cx="8272200" cy="1359600"/>
+          </a:xfrm>
+          <a:prstGeom prst="rect">
+            <a:avLst/>
+          </a:prstGeom>
+          <a:noFill/>
+          <a:ln>
+            <a:noFill/>
+          </a:ln>
+        </p:spPr>
+        <p:txBody>
+          <a:bodyPr anchorCtr="0" anchor="t" bIns="91425" lIns="91425" spcFirstLastPara="1" rIns="91425" wrap="square" tIns="91425">
+            <a:spAutoFit/>
+          </a:bodyPr>
+          <a:lstStyle/>
+          <a:p>
+            <a:pPr indent="-336550" lvl="0" marL="457200" rtl="0" algn="l">
+              <a:spcBef>
+                <a:spcPts val="0"/>
+              </a:spcBef>
+              <a:spcAft>
+                <a:spcPts val="0"/>
+              </a:spcAft>
+              <a:buSzPts val="1700"/>
+              <a:buFont typeface="Roboto"/>
+              <a:buChar char="●"/>
+            </a:pPr>
+            <a:r>
+              <a:rPr lang="en" sz="1700">
+                <a:latin typeface="Roboto"/>
+                <a:ea typeface="Roboto"/>
+                <a:cs typeface="Roboto"/>
+                <a:sym typeface="Roboto"/>
+              </a:rPr>
+              <a:t>T</a:t>
+            </a:r>
+            <a:r>
+              <a:rPr lang="en" sz="1700">
+                <a:latin typeface="Roboto"/>
+                <a:ea typeface="Roboto"/>
+                <a:cs typeface="Roboto"/>
+                <a:sym typeface="Roboto"/>
+              </a:rPr>
+              <a:t>he set of assumptions made in the learning algorithm that leads it to favor a particular solution to a learning problem over others. </a:t>
+            </a:r>
+            <a:endParaRPr sz="1700">
+              <a:latin typeface="Roboto"/>
+              <a:ea typeface="Roboto"/>
+              <a:cs typeface="Roboto"/>
+              <a:sym typeface="Roboto"/>
+            </a:endParaRPr>
+          </a:p>
+          <a:p>
+            <a:pPr indent="-336550" lvl="0" marL="457200" rtl="0" algn="l">
+              <a:spcBef>
+                <a:spcPts val="1000"/>
+              </a:spcBef>
+              <a:spcAft>
+                <a:spcPts val="1000"/>
+              </a:spcAft>
+              <a:buSzPts val="1700"/>
+              <a:buFont typeface="Roboto"/>
+              <a:buChar char="●"/>
+            </a:pPr>
+            <a:r>
+              <a:rPr lang="en" sz="1700">
+                <a:latin typeface="Roboto"/>
+                <a:ea typeface="Roboto"/>
+                <a:cs typeface="Roboto"/>
+                <a:sym typeface="Roboto"/>
+              </a:rPr>
+              <a:t>Often programmed into the model using its specific mathematical form and/or by using a particular loss function.</a:t>
+            </a:r>
+            <a:endParaRPr sz="1700">
+              <a:latin typeface="Roboto"/>
+              <a:ea typeface="Roboto"/>
+              <a:cs typeface="Roboto"/>
+              <a:sym typeface="Roboto"/>
+            </a:endParaRPr>
+          </a:p>
+        </p:txBody>
+      </p:sp>
+      <p:sp>
+        <p:nvSpPr>
+          <p:cNvPr id="363" name="Google Shape;363;p46"/>
+          <p:cNvSpPr txBox="1"/>
+          <p:nvPr/>
+        </p:nvSpPr>
+        <p:spPr>
+          <a:xfrm>
+            <a:off x="6299603" y="4360800"/>
+            <a:ext cx="2532600" cy="369300"/>
+          </a:xfrm>
+          <a:prstGeom prst="rect">
+            <a:avLst/>
+          </a:prstGeom>
+          <a:noFill/>
+          <a:ln>
+            <a:noFill/>
+          </a:ln>
+        </p:spPr>
+        <p:txBody>
+          <a:bodyPr anchorCtr="0" anchor="t" bIns="91425" lIns="91425" spcFirstLastPara="1" rIns="91425" wrap="square" tIns="91425">
+            <a:spAutoFit/>
+          </a:bodyPr>
+          <a:lstStyle/>
+          <a:p>
+            <a:pPr indent="0" lvl="0" marL="0" rtl="0" algn="ctr">
+              <a:spcBef>
+                <a:spcPts val="0"/>
+              </a:spcBef>
+              <a:spcAft>
+                <a:spcPts val="0"/>
+              </a:spcAft>
+              <a:buNone/>
+            </a:pPr>
+            <a:r>
+              <a:rPr lang="en" sz="1200">
+                <a:latin typeface="Roboto"/>
+                <a:ea typeface="Roboto"/>
+                <a:cs typeface="Roboto"/>
+                <a:sym typeface="Roboto"/>
+              </a:rPr>
+              <a:t>(source: Greener et al. 2022)</a:t>
+            </a:r>
+            <a:endParaRPr sz="1200">
+              <a:latin typeface="Roboto"/>
+              <a:ea typeface="Roboto"/>
+              <a:cs typeface="Roboto"/>
+              <a:sym typeface="Roboto"/>
+            </a:endParaRPr>
+          </a:p>
+        </p:txBody>
+      </p:sp>
+      <p:sp>
+        <p:nvSpPr>
+          <p:cNvPr id="364" name="Google Shape;364;p46"/>
+          <p:cNvSpPr txBox="1"/>
+          <p:nvPr/>
+        </p:nvSpPr>
+        <p:spPr>
+          <a:xfrm>
+            <a:off x="311700" y="2150100"/>
+            <a:ext cx="4221600" cy="2277900"/>
+          </a:xfrm>
+          <a:prstGeom prst="rect">
+            <a:avLst/>
+          </a:prstGeom>
+          <a:noFill/>
+          <a:ln>
+            <a:noFill/>
+          </a:ln>
+        </p:spPr>
+        <p:txBody>
+          <a:bodyPr anchorCtr="0" anchor="t" bIns="91425" lIns="91425" spcFirstLastPara="1" rIns="91425" wrap="square" tIns="91425">
+            <a:spAutoFit/>
+          </a:bodyPr>
+          <a:lstStyle/>
+          <a:p>
+            <a:pPr indent="-336550" lvl="0" marL="457200" rtl="0" algn="l">
+              <a:spcBef>
+                <a:spcPts val="0"/>
+              </a:spcBef>
+              <a:spcAft>
+                <a:spcPts val="1000"/>
+              </a:spcAft>
+              <a:buClr>
+                <a:schemeClr val="dk1"/>
+              </a:buClr>
+              <a:buSzPts val="1700"/>
+              <a:buFont typeface="Roboto"/>
+              <a:buChar char="●"/>
+            </a:pPr>
+            <a:r>
+              <a:rPr lang="en" sz="1700">
+                <a:solidFill>
+                  <a:schemeClr val="dk1"/>
+                </a:solidFill>
+                <a:latin typeface="Roboto"/>
+                <a:ea typeface="Roboto"/>
+                <a:cs typeface="Roboto"/>
+                <a:sym typeface="Roboto"/>
+              </a:rPr>
+              <a:t>For example, the inductive bias of recurrent neural networks (RNNs) is that there are sequential dependencies in the input data </a:t>
+            </a:r>
+            <a:r>
+              <a:rPr lang="en" sz="1700">
+                <a:solidFill>
+                  <a:schemeClr val="dk1"/>
+                </a:solidFill>
+                <a:latin typeface="Roboto"/>
+                <a:ea typeface="Roboto"/>
+                <a:cs typeface="Roboto"/>
+                <a:sym typeface="Roboto"/>
+              </a:rPr>
+              <a:t>such as a DNA sequence. </a:t>
+            </a:r>
+            <a:r>
+              <a:rPr lang="en" sz="1700">
+                <a:solidFill>
+                  <a:schemeClr val="dk1"/>
+                </a:solidFill>
+                <a:latin typeface="Roboto"/>
+                <a:ea typeface="Roboto"/>
+                <a:cs typeface="Roboto"/>
+                <a:sym typeface="Roboto"/>
+              </a:rPr>
+              <a:t>This dependence is explicitly accounted for in the mathematical form of an RNN.</a:t>
+            </a:r>
+            <a:endParaRPr/>
+          </a:p>
+        </p:txBody>
+      </p:sp>
     </p:spTree>
   </p:cSld>
   <p:clrMapOvr>
@@ -24394,6 +24394,195 @@
   <p:clrMapOvr>
     <a:masterClrMapping/>
   </p:clrMapOvr>
+  <p:timing>
+    <p:tnLst>
+      <p:par>
+        <p:cTn dur="indefinite" nodeType="tmRoot" restart="never">
+          <p:childTnLst>
+            <p:seq concurrent="1" nextAc="seek">
+              <p:cTn dur="indefinite" id="2" nodeType="mainSeq">
+                <p:childTnLst>
+                  <p:par>
+                    <p:cTn fill="hold">
+                      <p:stCondLst>
+                        <p:cond delay="indefinite"/>
+                      </p:stCondLst>
+                      <p:childTnLst>
+                        <p:par>
+                          <p:cTn fill="hold">
+                            <p:stCondLst>
+                              <p:cond delay="0"/>
+                            </p:stCondLst>
+                            <p:childTnLst>
+                              <p:par>
+                                <p:cTn fill="hold" nodeType="clickEffect" presetClass="entr" presetID="10" presetSubtype="0">
+                                  <p:stCondLst>
+                                    <p:cond delay="0"/>
+                                  </p:stCondLst>
+                                  <p:childTnLst>
+                                    <p:set>
+                                      <p:cBhvr>
+                                        <p:cTn dur="1" fill="hold">
+                                          <p:stCondLst>
+                                            <p:cond delay="0"/>
+                                          </p:stCondLst>
+                                        </p:cTn>
+                                        <p:tgtEl>
+                                          <p:spTgt spid="393"/>
+                                        </p:tgtEl>
+                                        <p:attrNameLst>
+                                          <p:attrName>style.visibility</p:attrName>
+                                        </p:attrNameLst>
+                                      </p:cBhvr>
+                                      <p:to>
+                                        <p:strVal val="visible"/>
+                                      </p:to>
+                                    </p:set>
+                                    <p:animEffect filter="fade" transition="in">
+                                      <p:cBhvr>
+                                        <p:cTn dur="1000"/>
+                                        <p:tgtEl>
+                                          <p:spTgt spid="393"/>
+                                        </p:tgtEl>
+                                      </p:cBhvr>
+                                    </p:animEffect>
+                                  </p:childTnLst>
+                                </p:cTn>
+                              </p:par>
+                            </p:childTnLst>
+                          </p:cTn>
+                        </p:par>
+                      </p:childTnLst>
+                    </p:cTn>
+                  </p:par>
+                  <p:par>
+                    <p:cTn fill="hold">
+                      <p:stCondLst>
+                        <p:cond delay="indefinite"/>
+                      </p:stCondLst>
+                      <p:childTnLst>
+                        <p:par>
+                          <p:cTn fill="hold">
+                            <p:stCondLst>
+                              <p:cond delay="0"/>
+                            </p:stCondLst>
+                            <p:childTnLst>
+                              <p:par>
+                                <p:cTn fill="hold" nodeType="clickEffect" presetClass="entr" presetID="10" presetSubtype="0">
+                                  <p:stCondLst>
+                                    <p:cond delay="0"/>
+                                  </p:stCondLst>
+                                  <p:childTnLst>
+                                    <p:set>
+                                      <p:cBhvr>
+                                        <p:cTn dur="1" fill="hold">
+                                          <p:stCondLst>
+                                            <p:cond delay="0"/>
+                                          </p:stCondLst>
+                                        </p:cTn>
+                                        <p:tgtEl>
+                                          <p:spTgt spid="398"/>
+                                        </p:tgtEl>
+                                        <p:attrNameLst>
+                                          <p:attrName>style.visibility</p:attrName>
+                                        </p:attrNameLst>
+                                      </p:cBhvr>
+                                      <p:to>
+                                        <p:strVal val="visible"/>
+                                      </p:to>
+                                    </p:set>
+                                    <p:animEffect filter="fade" transition="in">
+                                      <p:cBhvr>
+                                        <p:cTn dur="1000"/>
+                                        <p:tgtEl>
+                                          <p:spTgt spid="398"/>
+                                        </p:tgtEl>
+                                      </p:cBhvr>
+                                    </p:animEffect>
+                                  </p:childTnLst>
+                                </p:cTn>
+                              </p:par>
+                            </p:childTnLst>
+                          </p:cTn>
+                        </p:par>
+                      </p:childTnLst>
+                    </p:cTn>
+                  </p:par>
+                  <p:par>
+                    <p:cTn fill="hold">
+                      <p:stCondLst>
+                        <p:cond delay="indefinite"/>
+                      </p:stCondLst>
+                      <p:childTnLst>
+                        <p:par>
+                          <p:cTn fill="hold">
+                            <p:stCondLst>
+                              <p:cond delay="0"/>
+                            </p:stCondLst>
+                            <p:childTnLst>
+                              <p:par>
+                                <p:cTn fill="hold" nodeType="clickEffect" presetClass="entr" presetID="10" presetSubtype="0">
+                                  <p:stCondLst>
+                                    <p:cond delay="0"/>
+                                  </p:stCondLst>
+                                  <p:childTnLst>
+                                    <p:set>
+                                      <p:cBhvr>
+                                        <p:cTn dur="1" fill="hold">
+                                          <p:stCondLst>
+                                            <p:cond delay="0"/>
+                                          </p:stCondLst>
+                                        </p:cTn>
+                                        <p:tgtEl>
+                                          <p:spTgt spid="394"/>
+                                        </p:tgtEl>
+                                        <p:attrNameLst>
+                                          <p:attrName>style.visibility</p:attrName>
+                                        </p:attrNameLst>
+                                      </p:cBhvr>
+                                      <p:to>
+                                        <p:strVal val="visible"/>
+                                      </p:to>
+                                    </p:set>
+                                    <p:animEffect filter="fade" transition="in">
+                                      <p:cBhvr>
+                                        <p:cTn dur="1000"/>
+                                        <p:tgtEl>
+                                          <p:spTgt spid="394"/>
+                                        </p:tgtEl>
+                                      </p:cBhvr>
+                                    </p:animEffect>
+                                  </p:childTnLst>
+                                </p:cTn>
+                              </p:par>
+                            </p:childTnLst>
+                          </p:cTn>
+                        </p:par>
+                      </p:childTnLst>
+                    </p:cTn>
+                  </p:par>
+                </p:childTnLst>
+              </p:cTn>
+              <p:prevCondLst>
+                <p:cond evt="onPrev">
+                  <p:tgtEl>
+                    <p:sldTgt/>
+                  </p:tgtEl>
+                </p:cond>
+              </p:prevCondLst>
+              <p:nextCondLst>
+                <p:cond evt="onNext">
+                  <p:tgtEl>
+                    <p:sldTgt/>
+                  </p:tgtEl>
+                </p:cond>
+              </p:nextCondLst>
+            </p:seq>
+          </p:childTnLst>
+        </p:cTn>
+      </p:par>
+    </p:tnLst>
+  </p:timing>
 </p:sld>
 </file>
 
@@ -29093,7 +29282,7 @@
                   <a:srgbClr val="4A86E8"/>
                 </a:solidFill>
               </a:rPr>
-              <a:t>ML is a D</a:t>
+              <a:t>AI/ML is a D</a:t>
             </a:r>
             <a:r>
               <a:rPr lang="en">
@@ -30876,6 +31065,285 @@
 </file>
 
 <file path=ppt/theme/theme2.xml><?xml version="1.0" encoding="utf-8"?>
+<a:theme xmlns:a="http://schemas.openxmlformats.org/drawingml/2006/main" xmlns:r="http://schemas.openxmlformats.org/officeDocument/2006/relationships">
+  <a:themeElements>
+    <a:clrScheme name="Default">
+      <a:dk1>
+        <a:srgbClr val="000000"/>
+      </a:dk1>
+      <a:lt1>
+        <a:srgbClr val="FFFFFF"/>
+      </a:lt1>
+      <a:dk2>
+        <a:srgbClr val="158158"/>
+      </a:dk2>
+      <a:lt2>
+        <a:srgbClr val="F3F3F3"/>
+      </a:lt2>
+      <a:accent1>
+        <a:srgbClr val="058DC7"/>
+      </a:accent1>
+      <a:accent2>
+        <a:srgbClr val="50B432"/>
+      </a:accent2>
+      <a:accent3>
+        <a:srgbClr val="ED561B"/>
+      </a:accent3>
+      <a:accent4>
+        <a:srgbClr val="EDEF00"/>
+      </a:accent4>
+      <a:accent5>
+        <a:srgbClr val="24CBE5"/>
+      </a:accent5>
+      <a:accent6>
+        <a:srgbClr val="64E572"/>
+      </a:accent6>
+      <a:hlink>
+        <a:srgbClr val="2200CC"/>
+      </a:hlink>
+      <a:folHlink>
+        <a:srgbClr val="551A8B"/>
+      </a:folHlink>
+    </a:clrScheme>
+    <a:fontScheme name="Office">
+      <a:majorFont>
+        <a:latin typeface="Arial"/>
+        <a:ea typeface=""/>
+        <a:cs typeface=""/>
+        <a:font script="Jpan" typeface="ＭＳ Ｐゴシック"/>
+        <a:font script="Hang" typeface="맑은 고딕"/>
+        <a:font script="Hans" typeface="宋体"/>
+        <a:font script="Hant" typeface="新細明體"/>
+        <a:font script="Arab" typeface="Times New Roman"/>
+        <a:font script="Hebr" typeface="Times New Roman"/>
+        <a:font script="Thai" typeface="Angsana New"/>
+        <a:font script="Ethi" typeface="Nyala"/>
+        <a:font script="Beng" typeface="Vrinda"/>
+        <a:font script="Gujr" typeface="Shruti"/>
+        <a:font script="Khmr" typeface="MoolBoran"/>
+        <a:font script="Knda" typeface="Tunga"/>
+        <a:font script="Guru" typeface="Raavi"/>
+        <a:font script="Cans" typeface="Euphemia"/>
+        <a:font script="Cher" typeface="Plantagenet Cherokee"/>
+        <a:font script="Yiii" typeface="Microsoft Yi Baiti"/>
+        <a:font script="Tibt" typeface="Microsoft Himalaya"/>
+        <a:font script="Thaa" typeface="MV Boli"/>
+        <a:font script="Deva" typeface="Mangal"/>
+        <a:font script="Telu" typeface="Gautami"/>
+        <a:font script="Taml" typeface="Latha"/>
+        <a:font script="Syrc" typeface="Estrangelo Edessa"/>
+        <a:font script="Orya" typeface="Kalinga"/>
+        <a:font script="Mlym" typeface="Kartika"/>
+        <a:font script="Laoo" typeface="DokChampa"/>
+        <a:font script="Sinh" typeface="Iskoola Pota"/>
+        <a:font script="Mong" typeface="Mongolian Baiti"/>
+        <a:font script="Viet" typeface="Times New Roman"/>
+        <a:font script="Uigh" typeface="Microsoft Uighur"/>
+        <a:font script="Geor" typeface="Sylfaen"/>
+      </a:majorFont>
+      <a:minorFont>
+        <a:latin typeface="Arial"/>
+        <a:ea typeface=""/>
+        <a:cs typeface=""/>
+        <a:font script="Jpan" typeface="ＭＳ Ｐゴシック"/>
+        <a:font script="Hang" typeface="맑은 고딕"/>
+        <a:font script="Hans" typeface="宋体"/>
+        <a:font script="Hant" typeface="新細明體"/>
+        <a:font script="Arab" typeface="Arial"/>
+        <a:font script="Hebr" typeface="Arial"/>
+        <a:font script="Thai" typeface="Cordia New"/>
+        <a:font script="Ethi" typeface="Nyala"/>
+        <a:font script="Beng" typeface="Vrinda"/>
+        <a:font script="Gujr" typeface="Shruti"/>
+        <a:font script="Khmr" typeface="DaunPenh"/>
+        <a:font script="Knda" typeface="Tunga"/>
+        <a:font script="Guru" typeface="Raavi"/>
+        <a:font script="Cans" typeface="Euphemia"/>
+        <a:font script="Cher" typeface="Plantagenet Cherokee"/>
+        <a:font script="Yiii" typeface="Microsoft Yi Baiti"/>
+        <a:font script="Tibt" typeface="Microsoft Himalaya"/>
+        <a:font script="Thaa" typeface="MV Boli"/>
+        <a:font script="Deva" typeface="Mangal"/>
+        <a:font script="Telu" typeface="Gautami"/>
+        <a:font script="Taml" typeface="Latha"/>
+        <a:font script="Syrc" typeface="Estrangelo Edessa"/>
+        <a:font script="Orya" typeface="Kalinga"/>
+        <a:font script="Mlym" typeface="Kartika"/>
+        <a:font script="Laoo" typeface="DokChampa"/>
+        <a:font script="Sinh" typeface="Iskoola Pota"/>
+        <a:font script="Mong" typeface="Mongolian Baiti"/>
+        <a:font script="Viet" typeface="Arial"/>
+        <a:font script="Uigh" typeface="Microsoft Uighur"/>
+        <a:font script="Geor" typeface="Sylfaen"/>
+      </a:minorFont>
+    </a:fontScheme>
+    <a:fmtScheme name="Office">
+      <a:fillStyleLst>
+        <a:solidFill>
+          <a:schemeClr val="phClr"/>
+        </a:solidFill>
+        <a:gradFill rotWithShape="1">
+          <a:gsLst>
+            <a:gs pos="0">
+              <a:schemeClr val="phClr">
+                <a:tint val="50000"/>
+                <a:satMod val="300000"/>
+              </a:schemeClr>
+            </a:gs>
+            <a:gs pos="35000">
+              <a:schemeClr val="phClr">
+                <a:tint val="37000"/>
+                <a:satMod val="300000"/>
+              </a:schemeClr>
+            </a:gs>
+            <a:gs pos="100000">
+              <a:schemeClr val="phClr">
+                <a:tint val="15000"/>
+                <a:satMod val="350000"/>
+              </a:schemeClr>
+            </a:gs>
+          </a:gsLst>
+          <a:lin ang="16200000" scaled="1"/>
+        </a:gradFill>
+        <a:gradFill rotWithShape="1">
+          <a:gsLst>
+            <a:gs pos="0">
+              <a:schemeClr val="phClr">
+                <a:tint val="100000"/>
+                <a:shade val="100000"/>
+                <a:satMod val="130000"/>
+              </a:schemeClr>
+            </a:gs>
+            <a:gs pos="100000">
+              <a:schemeClr val="phClr">
+                <a:tint val="50000"/>
+                <a:shade val="100000"/>
+                <a:satMod val="350000"/>
+              </a:schemeClr>
+            </a:gs>
+          </a:gsLst>
+          <a:lin ang="16200000" scaled="0"/>
+        </a:gradFill>
+      </a:fillStyleLst>
+      <a:lnStyleLst>
+        <a:ln w="9525" cap="flat" cmpd="sng" algn="ctr">
+          <a:solidFill>
+            <a:schemeClr val="phClr">
+              <a:shade val="95000"/>
+              <a:satMod val="105000"/>
+            </a:schemeClr>
+          </a:solidFill>
+          <a:prstDash val="solid"/>
+        </a:ln>
+        <a:ln w="25400" cap="flat" cmpd="sng" algn="ctr">
+          <a:solidFill>
+            <a:schemeClr val="phClr"/>
+          </a:solidFill>
+          <a:prstDash val="solid"/>
+        </a:ln>
+        <a:ln w="38100" cap="flat" cmpd="sng" algn="ctr">
+          <a:solidFill>
+            <a:schemeClr val="phClr"/>
+          </a:solidFill>
+          <a:prstDash val="solid"/>
+        </a:ln>
+      </a:lnStyleLst>
+      <a:effectStyleLst>
+        <a:effectStyle>
+          <a:effectLst>
+            <a:outerShdw blurRad="40000" dist="20000" dir="5400000" rotWithShape="0">
+              <a:srgbClr val="000000">
+                <a:alpha val="38000"/>
+              </a:srgbClr>
+            </a:outerShdw>
+          </a:effectLst>
+        </a:effectStyle>
+        <a:effectStyle>
+          <a:effectLst>
+            <a:outerShdw blurRad="40000" dist="23000" dir="5400000" rotWithShape="0">
+              <a:srgbClr val="000000">
+                <a:alpha val="35000"/>
+              </a:srgbClr>
+            </a:outerShdw>
+          </a:effectLst>
+        </a:effectStyle>
+        <a:effectStyle>
+          <a:effectLst>
+            <a:outerShdw blurRad="40000" dist="23000" dir="5400000" rotWithShape="0">
+              <a:srgbClr val="000000">
+                <a:alpha val="35000"/>
+              </a:srgbClr>
+            </a:outerShdw>
+          </a:effectLst>
+          <a:scene3d>
+            <a:camera prst="orthographicFront">
+              <a:rot lat="0" lon="0" rev="0"/>
+            </a:camera>
+            <a:lightRig rig="threePt" dir="t">
+              <a:rot lat="0" lon="0" rev="1200000"/>
+            </a:lightRig>
+          </a:scene3d>
+          <a:sp3d>
+            <a:bevelT w="63500" h="25400"/>
+          </a:sp3d>
+        </a:effectStyle>
+      </a:effectStyleLst>
+      <a:bgFillStyleLst>
+        <a:solidFill>
+          <a:schemeClr val="phClr"/>
+        </a:solidFill>
+        <a:gradFill rotWithShape="1">
+          <a:gsLst>
+            <a:gs pos="0">
+              <a:schemeClr val="phClr">
+                <a:tint val="40000"/>
+                <a:satMod val="350000"/>
+              </a:schemeClr>
+            </a:gs>
+            <a:gs pos="40000">
+              <a:schemeClr val="phClr">
+                <a:tint val="45000"/>
+                <a:shade val="99000"/>
+                <a:satMod val="350000"/>
+              </a:schemeClr>
+            </a:gs>
+            <a:gs pos="100000">
+              <a:schemeClr val="phClr">
+                <a:shade val="20000"/>
+                <a:satMod val="255000"/>
+              </a:schemeClr>
+            </a:gs>
+          </a:gsLst>
+          <a:path path="circle">
+            <a:fillToRect l="50000" t="-80000" r="50000" b="180000"/>
+          </a:path>
+        </a:gradFill>
+        <a:gradFill rotWithShape="1">
+          <a:gsLst>
+            <a:gs pos="0">
+              <a:schemeClr val="phClr">
+                <a:tint val="80000"/>
+                <a:satMod val="300000"/>
+              </a:schemeClr>
+            </a:gs>
+            <a:gs pos="100000">
+              <a:schemeClr val="phClr">
+                <a:shade val="30000"/>
+                <a:satMod val="200000"/>
+              </a:schemeClr>
+            </a:gs>
+          </a:gsLst>
+          <a:path path="circle">
+            <a:fillToRect l="50000" t="50000" r="50000" b="50000"/>
+          </a:path>
+        </a:gradFill>
+      </a:bgFillStyleLst>
+    </a:fmtScheme>
+  </a:themeElements>
+</a:theme>
+</file>
+
+<file path=ppt/theme/theme3.xml><?xml version="1.0" encoding="utf-8"?>
 <a:theme xmlns:a="http://schemas.openxmlformats.org/drawingml/2006/main" xmlns:r="http://schemas.openxmlformats.org/officeDocument/2006/relationships" name="Simple Light">
   <a:themeElements>
     <a:clrScheme name="Simple Light">
@@ -31152,283 +31620,4 @@
     </a:fmtScheme>
   </a:themeElements>
 </a:theme>
-</file>
-
-<file path=ppt/theme/theme3.xml><?xml version="1.0" encoding="utf-8"?>
-<a:theme xmlns:a="http://schemas.openxmlformats.org/drawingml/2006/main" xmlns:r="http://schemas.openxmlformats.org/officeDocument/2006/relationships">
-  <a:themeElements>
-    <a:clrScheme name="Default">
-      <a:dk1>
-        <a:srgbClr val="000000"/>
-      </a:dk1>
-      <a:lt1>
-        <a:srgbClr val="FFFFFF"/>
-      </a:lt1>
-      <a:dk2>
-        <a:srgbClr val="158158"/>
-      </a:dk2>
-      <a:lt2>
-        <a:srgbClr val="F3F3F3"/>
-      </a:lt2>
-      <a:accent1>
-        <a:srgbClr val="058DC7"/>
-      </a:accent1>
-      <a:accent2>
-        <a:srgbClr val="50B432"/>
-      </a:accent2>
-      <a:accent3>
-        <a:srgbClr val="ED561B"/>
-      </a:accent3>
-      <a:accent4>
-        <a:srgbClr val="EDEF00"/>
-      </a:accent4>
-      <a:accent5>
-        <a:srgbClr val="24CBE5"/>
-      </a:accent5>
-      <a:accent6>
-        <a:srgbClr val="64E572"/>
-      </a:accent6>
-      <a:hlink>
-        <a:srgbClr val="2200CC"/>
-      </a:hlink>
-      <a:folHlink>
-        <a:srgbClr val="551A8B"/>
-      </a:folHlink>
-    </a:clrScheme>
-    <a:fontScheme name="Office">
-      <a:majorFont>
-        <a:latin typeface="Arial"/>
-        <a:ea typeface=""/>
-        <a:cs typeface=""/>
-        <a:font script="Jpan" typeface="ＭＳ Ｐゴシック"/>
-        <a:font script="Hang" typeface="맑은 고딕"/>
-        <a:font script="Hans" typeface="宋体"/>
-        <a:font script="Hant" typeface="新細明體"/>
-        <a:font script="Arab" typeface="Times New Roman"/>
-        <a:font script="Hebr" typeface="Times New Roman"/>
-        <a:font script="Thai" typeface="Angsana New"/>
-        <a:font script="Ethi" typeface="Nyala"/>
-        <a:font script="Beng" typeface="Vrinda"/>
-        <a:font script="Gujr" typeface="Shruti"/>
-        <a:font script="Khmr" typeface="MoolBoran"/>
-        <a:font script="Knda" typeface="Tunga"/>
-        <a:font script="Guru" typeface="Raavi"/>
-        <a:font script="Cans" typeface="Euphemia"/>
-        <a:font script="Cher" typeface="Plantagenet Cherokee"/>
-        <a:font script="Yiii" typeface="Microsoft Yi Baiti"/>
-        <a:font script="Tibt" typeface="Microsoft Himalaya"/>
-        <a:font script="Thaa" typeface="MV Boli"/>
-        <a:font script="Deva" typeface="Mangal"/>
-        <a:font script="Telu" typeface="Gautami"/>
-        <a:font script="Taml" typeface="Latha"/>
-        <a:font script="Syrc" typeface="Estrangelo Edessa"/>
-        <a:font script="Orya" typeface="Kalinga"/>
-        <a:font script="Mlym" typeface="Kartika"/>
-        <a:font script="Laoo" typeface="DokChampa"/>
-        <a:font script="Sinh" typeface="Iskoola Pota"/>
-        <a:font script="Mong" typeface="Mongolian Baiti"/>
-        <a:font script="Viet" typeface="Times New Roman"/>
-        <a:font script="Uigh" typeface="Microsoft Uighur"/>
-        <a:font script="Geor" typeface="Sylfaen"/>
-      </a:majorFont>
-      <a:minorFont>
-        <a:latin typeface="Arial"/>
-        <a:ea typeface=""/>
-        <a:cs typeface=""/>
-        <a:font script="Jpan" typeface="ＭＳ Ｐゴシック"/>
-        <a:font script="Hang" typeface="맑은 고딕"/>
-        <a:font script="Hans" typeface="宋体"/>
-        <a:font script="Hant" typeface="新細明體"/>
-        <a:font script="Arab" typeface="Arial"/>
-        <a:font script="Hebr" typeface="Arial"/>
-        <a:font script="Thai" typeface="Cordia New"/>
-        <a:font script="Ethi" typeface="Nyala"/>
-        <a:font script="Beng" typeface="Vrinda"/>
-        <a:font script="Gujr" typeface="Shruti"/>
-        <a:font script="Khmr" typeface="DaunPenh"/>
-        <a:font script="Knda" typeface="Tunga"/>
-        <a:font script="Guru" typeface="Raavi"/>
-        <a:font script="Cans" typeface="Euphemia"/>
-        <a:font script="Cher" typeface="Plantagenet Cherokee"/>
-        <a:font script="Yiii" typeface="Microsoft Yi Baiti"/>
-        <a:font script="Tibt" typeface="Microsoft Himalaya"/>
-        <a:font script="Thaa" typeface="MV Boli"/>
-        <a:font script="Deva" typeface="Mangal"/>
-        <a:font script="Telu" typeface="Gautami"/>
-        <a:font script="Taml" typeface="Latha"/>
-        <a:font script="Syrc" typeface="Estrangelo Edessa"/>
-        <a:font script="Orya" typeface="Kalinga"/>
-        <a:font script="Mlym" typeface="Kartika"/>
-        <a:font script="Laoo" typeface="DokChampa"/>
-        <a:font script="Sinh" typeface="Iskoola Pota"/>
-        <a:font script="Mong" typeface="Mongolian Baiti"/>
-        <a:font script="Viet" typeface="Arial"/>
-        <a:font script="Uigh" typeface="Microsoft Uighur"/>
-        <a:font script="Geor" typeface="Sylfaen"/>
-      </a:minorFont>
-    </a:fontScheme>
-    <a:fmtScheme name="Office">
-      <a:fillStyleLst>
-        <a:solidFill>
-          <a:schemeClr val="phClr"/>
-        </a:solidFill>
-        <a:gradFill rotWithShape="1">
-          <a:gsLst>
-            <a:gs pos="0">
-              <a:schemeClr val="phClr">
-                <a:tint val="50000"/>
-                <a:satMod val="300000"/>
-              </a:schemeClr>
-            </a:gs>
-            <a:gs pos="35000">
-              <a:schemeClr val="phClr">
-                <a:tint val="37000"/>
-                <a:satMod val="300000"/>
-              </a:schemeClr>
-            </a:gs>
-            <a:gs pos="100000">
-              <a:schemeClr val="phClr">
-                <a:tint val="15000"/>
-                <a:satMod val="350000"/>
-              </a:schemeClr>
-            </a:gs>
-          </a:gsLst>
-          <a:lin ang="16200000" scaled="1"/>
-        </a:gradFill>
-        <a:gradFill rotWithShape="1">
-          <a:gsLst>
-            <a:gs pos="0">
-              <a:schemeClr val="phClr">
-                <a:tint val="100000"/>
-                <a:shade val="100000"/>
-                <a:satMod val="130000"/>
-              </a:schemeClr>
-            </a:gs>
-            <a:gs pos="100000">
-              <a:schemeClr val="phClr">
-                <a:tint val="50000"/>
-                <a:shade val="100000"/>
-                <a:satMod val="350000"/>
-              </a:schemeClr>
-            </a:gs>
-          </a:gsLst>
-          <a:lin ang="16200000" scaled="0"/>
-        </a:gradFill>
-      </a:fillStyleLst>
-      <a:lnStyleLst>
-        <a:ln w="9525" cap="flat" cmpd="sng" algn="ctr">
-          <a:solidFill>
-            <a:schemeClr val="phClr">
-              <a:shade val="95000"/>
-              <a:satMod val="105000"/>
-            </a:schemeClr>
-          </a:solidFill>
-          <a:prstDash val="solid"/>
-        </a:ln>
-        <a:ln w="25400" cap="flat" cmpd="sng" algn="ctr">
-          <a:solidFill>
-            <a:schemeClr val="phClr"/>
-          </a:solidFill>
-          <a:prstDash val="solid"/>
-        </a:ln>
-        <a:ln w="38100" cap="flat" cmpd="sng" algn="ctr">
-          <a:solidFill>
-            <a:schemeClr val="phClr"/>
-          </a:solidFill>
-          <a:prstDash val="solid"/>
-        </a:ln>
-      </a:lnStyleLst>
-      <a:effectStyleLst>
-        <a:effectStyle>
-          <a:effectLst>
-            <a:outerShdw blurRad="40000" dist="20000" dir="5400000" rotWithShape="0">
-              <a:srgbClr val="000000">
-                <a:alpha val="38000"/>
-              </a:srgbClr>
-            </a:outerShdw>
-          </a:effectLst>
-        </a:effectStyle>
-        <a:effectStyle>
-          <a:effectLst>
-            <a:outerShdw blurRad="40000" dist="23000" dir="5400000" rotWithShape="0">
-              <a:srgbClr val="000000">
-                <a:alpha val="35000"/>
-              </a:srgbClr>
-            </a:outerShdw>
-          </a:effectLst>
-        </a:effectStyle>
-        <a:effectStyle>
-          <a:effectLst>
-            <a:outerShdw blurRad="40000" dist="23000" dir="5400000" rotWithShape="0">
-              <a:srgbClr val="000000">
-                <a:alpha val="35000"/>
-              </a:srgbClr>
-            </a:outerShdw>
-          </a:effectLst>
-          <a:scene3d>
-            <a:camera prst="orthographicFront">
-              <a:rot lat="0" lon="0" rev="0"/>
-            </a:camera>
-            <a:lightRig rig="threePt" dir="t">
-              <a:rot lat="0" lon="0" rev="1200000"/>
-            </a:lightRig>
-          </a:scene3d>
-          <a:sp3d>
-            <a:bevelT w="63500" h="25400"/>
-          </a:sp3d>
-        </a:effectStyle>
-      </a:effectStyleLst>
-      <a:bgFillStyleLst>
-        <a:solidFill>
-          <a:schemeClr val="phClr"/>
-        </a:solidFill>
-        <a:gradFill rotWithShape="1">
-          <a:gsLst>
-            <a:gs pos="0">
-              <a:schemeClr val="phClr">
-                <a:tint val="40000"/>
-                <a:satMod val="350000"/>
-              </a:schemeClr>
-            </a:gs>
-            <a:gs pos="40000">
-              <a:schemeClr val="phClr">
-                <a:tint val="45000"/>
-                <a:shade val="99000"/>
-                <a:satMod val="350000"/>
-              </a:schemeClr>
-            </a:gs>
-            <a:gs pos="100000">
-              <a:schemeClr val="phClr">
-                <a:shade val="20000"/>
-                <a:satMod val="255000"/>
-              </a:schemeClr>
-            </a:gs>
-          </a:gsLst>
-          <a:path path="circle">
-            <a:fillToRect l="50000" t="-80000" r="50000" b="180000"/>
-          </a:path>
-        </a:gradFill>
-        <a:gradFill rotWithShape="1">
-          <a:gsLst>
-            <a:gs pos="0">
-              <a:schemeClr val="phClr">
-                <a:tint val="80000"/>
-                <a:satMod val="300000"/>
-              </a:schemeClr>
-            </a:gs>
-            <a:gs pos="100000">
-              <a:schemeClr val="phClr">
-                <a:shade val="30000"/>
-                <a:satMod val="200000"/>
-              </a:schemeClr>
-            </a:gs>
-          </a:gsLst>
-          <a:path path="circle">
-            <a:fillToRect l="50000" t="50000" r="50000" b="50000"/>
-          </a:path>
-        </a:gradFill>
-      </a:bgFillStyleLst>
-    </a:fmtScheme>
-  </a:themeElements>
-</a:theme>
 </file>
--- a/Day_1/Lectures/Day_1_Lecture_1_Introduction_to_Artificial_Intelligence_and_Machine_Learning.pptx
+++ b/Day_1/Lectures/Day_1_Lecture_1_Introduction_to_Artificial_Intelligence_and_Machine_Learning.pptx
@@ -30786,9 +30786,9 @@
 </file>
 
 <file path=ppt/theme/theme1.xml><?xml version="1.0" encoding="utf-8"?>
-<a:theme xmlns:a="http://schemas.openxmlformats.org/drawingml/2006/main" xmlns:r="http://schemas.openxmlformats.org/officeDocument/2006/relationships" name="Simple Light">
+<a:theme xmlns:a="http://schemas.openxmlformats.org/drawingml/2006/main" xmlns:r="http://schemas.openxmlformats.org/officeDocument/2006/relationships">
   <a:themeElements>
-    <a:clrScheme name="Simple Light">
+    <a:clrScheme name="Default">
       <a:dk1>
         <a:srgbClr val="000000"/>
       </a:dk1>
@@ -30796,34 +30796,34 @@
         <a:srgbClr val="FFFFFF"/>
       </a:lt1>
       <a:dk2>
-        <a:srgbClr val="595959"/>
+        <a:srgbClr val="158158"/>
       </a:dk2>
       <a:lt2>
-        <a:srgbClr val="EEEEEE"/>
+        <a:srgbClr val="F3F3F3"/>
       </a:lt2>
       <a:accent1>
-        <a:srgbClr val="4285F4"/>
+        <a:srgbClr val="058DC7"/>
       </a:accent1>
       <a:accent2>
-        <a:srgbClr val="212121"/>
+        <a:srgbClr val="50B432"/>
       </a:accent2>
       <a:accent3>
-        <a:srgbClr val="78909C"/>
+        <a:srgbClr val="ED561B"/>
       </a:accent3>
       <a:accent4>
-        <a:srgbClr val="FFAB40"/>
+        <a:srgbClr val="EDEF00"/>
       </a:accent4>
       <a:accent5>
-        <a:srgbClr val="0097A7"/>
+        <a:srgbClr val="24CBE5"/>
       </a:accent5>
       <a:accent6>
-        <a:srgbClr val="EEFF41"/>
+        <a:srgbClr val="64E572"/>
       </a:accent6>
       <a:hlink>
-        <a:srgbClr val="0097A7"/>
+        <a:srgbClr val="2200CC"/>
       </a:hlink>
       <a:folHlink>
-        <a:srgbClr val="0097A7"/>
+        <a:srgbClr val="551A8B"/>
       </a:folHlink>
     </a:clrScheme>
     <a:fontScheme name="Office">
@@ -31065,9 +31065,9 @@
 </file>
 
 <file path=ppt/theme/theme2.xml><?xml version="1.0" encoding="utf-8"?>
-<a:theme xmlns:a="http://schemas.openxmlformats.org/drawingml/2006/main" xmlns:r="http://schemas.openxmlformats.org/officeDocument/2006/relationships">
+<a:theme xmlns:a="http://schemas.openxmlformats.org/drawingml/2006/main" xmlns:r="http://schemas.openxmlformats.org/officeDocument/2006/relationships" name="Simple Light">
   <a:themeElements>
-    <a:clrScheme name="Default">
+    <a:clrScheme name="Simple Light">
       <a:dk1>
         <a:srgbClr val="000000"/>
       </a:dk1>
@@ -31075,34 +31075,34 @@
         <a:srgbClr val="FFFFFF"/>
       </a:lt1>
       <a:dk2>
-        <a:srgbClr val="158158"/>
+        <a:srgbClr val="595959"/>
       </a:dk2>
       <a:lt2>
-        <a:srgbClr val="F3F3F3"/>
+        <a:srgbClr val="EEEEEE"/>
       </a:lt2>
       <a:accent1>
-        <a:srgbClr val="058DC7"/>
+        <a:srgbClr val="4285F4"/>
       </a:accent1>
       <a:accent2>
-        <a:srgbClr val="50B432"/>
+        <a:srgbClr val="212121"/>
       </a:accent2>
       <a:accent3>
-        <a:srgbClr val="ED561B"/>
+        <a:srgbClr val="78909C"/>
       </a:accent3>
       <a:accent4>
-        <a:srgbClr val="EDEF00"/>
+        <a:srgbClr val="FFAB40"/>
       </a:accent4>
       <a:accent5>
-        <a:srgbClr val="24CBE5"/>
+        <a:srgbClr val="0097A7"/>
       </a:accent5>
       <a:accent6>
-        <a:srgbClr val="64E572"/>
+        <a:srgbClr val="EEFF41"/>
       </a:accent6>
       <a:hlink>
-        <a:srgbClr val="2200CC"/>
+        <a:srgbClr val="0097A7"/>
       </a:hlink>
       <a:folHlink>
-        <a:srgbClr val="551A8B"/>
+        <a:srgbClr val="0097A7"/>
       </a:folHlink>
     </a:clrScheme>
     <a:fontScheme name="Office">

--- a/Day_1/Lectures/Day_1_Lecture_1_Introduction_to_Artificial_Intelligence_and_Machine_Learning.pptx
+++ b/Day_1/Lectures/Day_1_Lecture_1_Introduction_to_Artificial_Intelligence_and_Machine_Learning.pptx
@@ -30786,9 +30786,9 @@
 </file>
 
 <file path=ppt/theme/theme1.xml><?xml version="1.0" encoding="utf-8"?>
-<a:theme xmlns:a="http://schemas.openxmlformats.org/drawingml/2006/main" xmlns:r="http://schemas.openxmlformats.org/officeDocument/2006/relationships">
+<a:theme xmlns:a="http://schemas.openxmlformats.org/drawingml/2006/main" xmlns:r="http://schemas.openxmlformats.org/officeDocument/2006/relationships" name="Simple Light">
   <a:themeElements>
-    <a:clrScheme name="Default">
+    <a:clrScheme name="Simple Light">
       <a:dk1>
         <a:srgbClr val="000000"/>
       </a:dk1>
@@ -30796,34 +30796,34 @@
         <a:srgbClr val="FFFFFF"/>
       </a:lt1>
       <a:dk2>
-        <a:srgbClr val="158158"/>
+        <a:srgbClr val="595959"/>
       </a:dk2>
       <a:lt2>
-        <a:srgbClr val="F3F3F3"/>
+        <a:srgbClr val="EEEEEE"/>
       </a:lt2>
       <a:accent1>
-        <a:srgbClr val="058DC7"/>
+        <a:srgbClr val="4285F4"/>
       </a:accent1>
       <a:accent2>
-        <a:srgbClr val="50B432"/>
+        <a:srgbClr val="212121"/>
       </a:accent2>
       <a:accent3>
-        <a:srgbClr val="ED561B"/>
+        <a:srgbClr val="78909C"/>
       </a:accent3>
       <a:accent4>
-        <a:srgbClr val="EDEF00"/>
+        <a:srgbClr val="FFAB40"/>
       </a:accent4>
       <a:accent5>
-        <a:srgbClr val="24CBE5"/>
+        <a:srgbClr val="0097A7"/>
       </a:accent5>
       <a:accent6>
-        <a:srgbClr val="64E572"/>
+        <a:srgbClr val="EEFF41"/>
       </a:accent6>
       <a:hlink>
-        <a:srgbClr val="2200CC"/>
+        <a:srgbClr val="0097A7"/>
       </a:hlink>
       <a:folHlink>
-        <a:srgbClr val="551A8B"/>
+        <a:srgbClr val="0097A7"/>
       </a:folHlink>
     </a:clrScheme>
     <a:fontScheme name="Office">
@@ -31065,9 +31065,9 @@
 </file>
 
 <file path=ppt/theme/theme2.xml><?xml version="1.0" encoding="utf-8"?>
-<a:theme xmlns:a="http://schemas.openxmlformats.org/drawingml/2006/main" xmlns:r="http://schemas.openxmlformats.org/officeDocument/2006/relationships" name="Simple Light">
+<a:theme xmlns:a="http://schemas.openxmlformats.org/drawingml/2006/main" xmlns:r="http://schemas.openxmlformats.org/officeDocument/2006/relationships">
   <a:themeElements>
-    <a:clrScheme name="Simple Light">
+    <a:clrScheme name="Default">
       <a:dk1>
         <a:srgbClr val="000000"/>
       </a:dk1>
@@ -31075,34 +31075,34 @@
         <a:srgbClr val="FFFFFF"/>
       </a:lt1>
       <a:dk2>
-        <a:srgbClr val="595959"/>
+        <a:srgbClr val="158158"/>
       </a:dk2>
       <a:lt2>
-        <a:srgbClr val="EEEEEE"/>
+        <a:srgbClr val="F3F3F3"/>
       </a:lt2>
       <a:accent1>
-        <a:srgbClr val="4285F4"/>
+        <a:srgbClr val="058DC7"/>
       </a:accent1>
       <a:accent2>
-        <a:srgbClr val="212121"/>
+        <a:srgbClr val="50B432"/>
       </a:accent2>
       <a:accent3>
-        <a:srgbClr val="78909C"/>
+        <a:srgbClr val="ED561B"/>
       </a:accent3>
       <a:accent4>
-        <a:srgbClr val="FFAB40"/>
+        <a:srgbClr val="EDEF00"/>
       </a:accent4>
       <a:accent5>
-        <a:srgbClr val="0097A7"/>
+        <a:srgbClr val="24CBE5"/>
       </a:accent5>
       <a:accent6>
-        <a:srgbClr val="EEFF41"/>
+        <a:srgbClr val="64E572"/>
       </a:accent6>
       <a:hlink>
-        <a:srgbClr val="0097A7"/>
+        <a:srgbClr val="2200CC"/>
       </a:hlink>
       <a:folHlink>
-        <a:srgbClr val="0097A7"/>
+        <a:srgbClr val="551A8B"/>
       </a:folHlink>
     </a:clrScheme>
     <a:fontScheme name="Office">
